--- a/MAGIC-MIRROR_v4.pptx
+++ b/MAGIC-MIRROR_v4.pptx
@@ -7,15 +7,15 @@
   <p:sldIdLst>
     <p:sldId id="256" r:id="rId2"/>
     <p:sldId id="265" r:id="rId3"/>
-    <p:sldId id="260" r:id="rId4"/>
-    <p:sldId id="257" r:id="rId5"/>
+    <p:sldId id="257" r:id="rId4"/>
+    <p:sldId id="260" r:id="rId5"/>
     <p:sldId id="261" r:id="rId6"/>
-    <p:sldId id="258" r:id="rId7"/>
-    <p:sldId id="267" r:id="rId8"/>
-    <p:sldId id="268" r:id="rId9"/>
-    <p:sldId id="262" r:id="rId10"/>
-    <p:sldId id="269" r:id="rId11"/>
-    <p:sldId id="259" r:id="rId12"/>
+    <p:sldId id="259" r:id="rId7"/>
+    <p:sldId id="258" r:id="rId8"/>
+    <p:sldId id="267" r:id="rId9"/>
+    <p:sldId id="268" r:id="rId10"/>
+    <p:sldId id="262" r:id="rId11"/>
+    <p:sldId id="269" r:id="rId12"/>
     <p:sldId id="264" r:id="rId13"/>
   </p:sldIdLst>
   <p:sldSz cx="12192000" cy="6858000"/>
@@ -849,7 +849,7 @@
           <a:p>
             <a:fld id="{ABC05801-27CD-4025-AF6B-55EAE1DC4CD3}" type="datetimeFigureOut">
               <a:rPr lang="sl-SI" smtClean="0"/>
-              <a:t>8. 01. 2018</a:t>
+              <a:t>16. 01. 2018</a:t>
             </a:fld>
             <a:endParaRPr lang="sl-SI"/>
           </a:p>
@@ -1100,7 +1100,7 @@
           <a:p>
             <a:fld id="{ABC05801-27CD-4025-AF6B-55EAE1DC4CD3}" type="datetimeFigureOut">
               <a:rPr lang="sl-SI" smtClean="0"/>
-              <a:t>8. 01. 2018</a:t>
+              <a:t>16. 01. 2018</a:t>
             </a:fld>
             <a:endParaRPr lang="sl-SI"/>
           </a:p>
@@ -1414,7 +1414,7 @@
           <a:p>
             <a:fld id="{ABC05801-27CD-4025-AF6B-55EAE1DC4CD3}" type="datetimeFigureOut">
               <a:rPr lang="sl-SI" smtClean="0"/>
-              <a:t>8. 01. 2018</a:t>
+              <a:t>16. 01. 2018</a:t>
             </a:fld>
             <a:endParaRPr lang="sl-SI"/>
           </a:p>
@@ -1755,7 +1755,7 @@
           <a:p>
             <a:fld id="{ABC05801-27CD-4025-AF6B-55EAE1DC4CD3}" type="datetimeFigureOut">
               <a:rPr lang="sl-SI" smtClean="0"/>
-              <a:t>8. 01. 2018</a:t>
+              <a:t>16. 01. 2018</a:t>
             </a:fld>
             <a:endParaRPr lang="sl-SI"/>
           </a:p>
@@ -2069,7 +2069,7 @@
           <a:p>
             <a:fld id="{ABC05801-27CD-4025-AF6B-55EAE1DC4CD3}" type="datetimeFigureOut">
               <a:rPr lang="sl-SI" smtClean="0"/>
-              <a:t>8. 01. 2018</a:t>
+              <a:t>16. 01. 2018</a:t>
             </a:fld>
             <a:endParaRPr lang="sl-SI"/>
           </a:p>
@@ -2462,7 +2462,7 @@
           <a:p>
             <a:fld id="{ABC05801-27CD-4025-AF6B-55EAE1DC4CD3}" type="datetimeFigureOut">
               <a:rPr lang="sl-SI" smtClean="0"/>
-              <a:t>8. 01. 2018</a:t>
+              <a:t>16. 01. 2018</a:t>
             </a:fld>
             <a:endParaRPr lang="sl-SI"/>
           </a:p>
@@ -2632,7 +2632,7 @@
           <a:p>
             <a:fld id="{ABC05801-27CD-4025-AF6B-55EAE1DC4CD3}" type="datetimeFigureOut">
               <a:rPr lang="sl-SI" smtClean="0"/>
-              <a:t>8. 01. 2018</a:t>
+              <a:t>16. 01. 2018</a:t>
             </a:fld>
             <a:endParaRPr lang="sl-SI"/>
           </a:p>
@@ -2812,7 +2812,7 @@
           <a:p>
             <a:fld id="{ABC05801-27CD-4025-AF6B-55EAE1DC4CD3}" type="datetimeFigureOut">
               <a:rPr lang="sl-SI" smtClean="0"/>
-              <a:t>8. 01. 2018</a:t>
+              <a:t>16. 01. 2018</a:t>
             </a:fld>
             <a:endParaRPr lang="sl-SI"/>
           </a:p>
@@ -2988,7 +2988,7 @@
           <a:p>
             <a:fld id="{ABC05801-27CD-4025-AF6B-55EAE1DC4CD3}" type="datetimeFigureOut">
               <a:rPr lang="sl-SI" smtClean="0"/>
-              <a:t>8. 01. 2018</a:t>
+              <a:t>16. 01. 2018</a:t>
             </a:fld>
             <a:endParaRPr lang="sl-SI"/>
           </a:p>
@@ -3235,7 +3235,7 @@
           <a:p>
             <a:fld id="{ABC05801-27CD-4025-AF6B-55EAE1DC4CD3}" type="datetimeFigureOut">
               <a:rPr lang="sl-SI" smtClean="0"/>
-              <a:t>8. 01. 2018</a:t>
+              <a:t>16. 01. 2018</a:t>
             </a:fld>
             <a:endParaRPr lang="sl-SI"/>
           </a:p>
@@ -3467,7 +3467,7 @@
           <a:p>
             <a:fld id="{ABC05801-27CD-4025-AF6B-55EAE1DC4CD3}" type="datetimeFigureOut">
               <a:rPr lang="sl-SI" smtClean="0"/>
-              <a:t>8. 01. 2018</a:t>
+              <a:t>16. 01. 2018</a:t>
             </a:fld>
             <a:endParaRPr lang="sl-SI"/>
           </a:p>
@@ -3841,7 +3841,7 @@
           <a:p>
             <a:fld id="{ABC05801-27CD-4025-AF6B-55EAE1DC4CD3}" type="datetimeFigureOut">
               <a:rPr lang="sl-SI" smtClean="0"/>
-              <a:t>8. 01. 2018</a:t>
+              <a:t>16. 01. 2018</a:t>
             </a:fld>
             <a:endParaRPr lang="sl-SI"/>
           </a:p>
@@ -3964,7 +3964,7 @@
           <a:p>
             <a:fld id="{ABC05801-27CD-4025-AF6B-55EAE1DC4CD3}" type="datetimeFigureOut">
               <a:rPr lang="sl-SI" smtClean="0"/>
-              <a:t>8. 01. 2018</a:t>
+              <a:t>16. 01. 2018</a:t>
             </a:fld>
             <a:endParaRPr lang="sl-SI"/>
           </a:p>
@@ -4059,7 +4059,7 @@
           <a:p>
             <a:fld id="{ABC05801-27CD-4025-AF6B-55EAE1DC4CD3}" type="datetimeFigureOut">
               <a:rPr lang="sl-SI" smtClean="0"/>
-              <a:t>8. 01. 2018</a:t>
+              <a:t>16. 01. 2018</a:t>
             </a:fld>
             <a:endParaRPr lang="sl-SI"/>
           </a:p>
@@ -4314,7 +4314,7 @@
           <a:p>
             <a:fld id="{ABC05801-27CD-4025-AF6B-55EAE1DC4CD3}" type="datetimeFigureOut">
               <a:rPr lang="sl-SI" smtClean="0"/>
-              <a:t>8. 01. 2018</a:t>
+              <a:t>16. 01. 2018</a:t>
             </a:fld>
             <a:endParaRPr lang="sl-SI"/>
           </a:p>
@@ -4577,7 +4577,7 @@
           <a:p>
             <a:fld id="{ABC05801-27CD-4025-AF6B-55EAE1DC4CD3}" type="datetimeFigureOut">
               <a:rPr lang="sl-SI" smtClean="0"/>
-              <a:t>8. 01. 2018</a:t>
+              <a:t>16. 01. 2018</a:t>
             </a:fld>
             <a:endParaRPr lang="sl-SI"/>
           </a:p>
@@ -5320,7 +5320,7 @@
           <a:p>
             <a:fld id="{ABC05801-27CD-4025-AF6B-55EAE1DC4CD3}" type="datetimeFigureOut">
               <a:rPr lang="sl-SI" smtClean="0"/>
-              <a:t>8. 01. 2018</a:t>
+              <a:t>16. 01. 2018</a:t>
             </a:fld>
             <a:endParaRPr lang="sl-SI"/>
           </a:p>
@@ -5951,6 +5951,187 @@
           <p:cNvPr id="2" name="Title 1">
             <a:extLst>
               <a:ext uri="{FF2B5EF4-FFF2-40B4-BE49-F238E27FC236}">
+                <a16:creationId xmlns:a16="http://schemas.microsoft.com/office/drawing/2014/main" id="{9E280A7D-70F3-46CD-BDF2-F95B893220ED}"/>
+              </a:ext>
+            </a:extLst>
+          </p:cNvPr>
+          <p:cNvSpPr>
+            <a:spLocks noGrp="1"/>
+          </p:cNvSpPr>
+          <p:nvPr>
+            <p:ph type="title"/>
+          </p:nvPr>
+        </p:nvSpPr>
+        <p:spPr/>
+        <p:txBody>
+          <a:bodyPr/>
+          <a:lstStyle/>
+          <a:p>
+            <a:r>
+              <a:rPr lang="sl-SI" dirty="0"/>
+              <a:t>Plani</a:t>
+            </a:r>
+          </a:p>
+        </p:txBody>
+      </p:sp>
+      <p:sp>
+        <p:nvSpPr>
+          <p:cNvPr id="3" name="Content Placeholder 2">
+            <a:extLst>
+              <a:ext uri="{FF2B5EF4-FFF2-40B4-BE49-F238E27FC236}">
+                <a16:creationId xmlns:a16="http://schemas.microsoft.com/office/drawing/2014/main" id="{DAB977AC-4ACE-41B1-B45F-F6F05E4D1DD2}"/>
+              </a:ext>
+            </a:extLst>
+          </p:cNvPr>
+          <p:cNvSpPr>
+            <a:spLocks noGrp="1"/>
+          </p:cNvSpPr>
+          <p:nvPr>
+            <p:ph idx="1"/>
+          </p:nvPr>
+        </p:nvSpPr>
+        <p:spPr/>
+        <p:txBody>
+          <a:bodyPr>
+            <a:normAutofit/>
+          </a:bodyPr>
+          <a:lstStyle/>
+          <a:p>
+            <a:r>
+              <a:rPr lang="sl-SI" dirty="0"/>
+              <a:t>Do sredine decembra</a:t>
+            </a:r>
+          </a:p>
+          <a:p>
+            <a:pPr lvl="1"/>
+            <a:r>
+              <a:rPr lang="sl-SI" dirty="0"/>
+              <a:t>Prepoznavanje obraza</a:t>
+            </a:r>
+          </a:p>
+          <a:p>
+            <a:pPr lvl="1"/>
+            <a:r>
+              <a:rPr lang="sl-SI" dirty="0"/>
+              <a:t>Pridobivanje podatkov iz spleta</a:t>
+            </a:r>
+          </a:p>
+          <a:p>
+            <a:pPr lvl="1"/>
+            <a:r>
+              <a:rPr lang="sl-SI" dirty="0"/>
+              <a:t>Izpis podatkov</a:t>
+            </a:r>
+          </a:p>
+          <a:p>
+            <a:pPr lvl="1"/>
+            <a:endParaRPr lang="sl-SI" dirty="0"/>
+          </a:p>
+          <a:p>
+            <a:r>
+              <a:rPr lang="sl-SI" dirty="0"/>
+              <a:t>Do sredine januarja</a:t>
+            </a:r>
+          </a:p>
+          <a:p>
+            <a:pPr lvl="1"/>
+            <a:r>
+              <a:rPr lang="sl-SI" dirty="0"/>
+              <a:t>Sestavljen produkt (okvir, steklo)</a:t>
+            </a:r>
+          </a:p>
+          <a:p>
+            <a:pPr lvl="1"/>
+            <a:r>
+              <a:rPr lang="sl-SI" dirty="0"/>
+              <a:t>Združitev tehnologij</a:t>
+            </a:r>
+          </a:p>
+          <a:p>
+            <a:pPr lvl="1"/>
+            <a:r>
+              <a:rPr lang="sl-SI" dirty="0"/>
+              <a:t>Prepoznavanje gest (rok)</a:t>
+            </a:r>
+          </a:p>
+        </p:txBody>
+      </p:sp>
+      <p:pic>
+        <p:nvPicPr>
+          <p:cNvPr id="4100" name="Picture 4" descr="http://www.learnthe4ps.com/wp-content/uploads/2013/09/future-plan2.png"/>
+          <p:cNvPicPr>
+            <a:picLocks noChangeAspect="1" noChangeArrowheads="1"/>
+          </p:cNvPicPr>
+          <p:nvPr/>
+        </p:nvPicPr>
+        <p:blipFill>
+          <a:blip r:embed="rId2">
+            <a:extLst>
+              <a:ext uri="{28A0092B-C50C-407E-A947-70E740481C1C}">
+                <a14:useLocalDpi xmlns:a14="http://schemas.microsoft.com/office/drawing/2010/main" val="0"/>
+              </a:ext>
+            </a:extLst>
+          </a:blip>
+          <a:srcRect/>
+          <a:stretch>
+            <a:fillRect/>
+          </a:stretch>
+        </p:blipFill>
+        <p:spPr bwMode="auto">
+          <a:xfrm>
+            <a:off x="5468981" y="2710249"/>
+            <a:ext cx="3057141" cy="2289906"/>
+          </a:xfrm>
+          <a:prstGeom prst="rect">
+            <a:avLst/>
+          </a:prstGeom>
+          <a:noFill/>
+          <a:extLst>
+            <a:ext uri="{909E8E84-426E-40DD-AFC4-6F175D3DCCD1}">
+              <a14:hiddenFill xmlns:a14="http://schemas.microsoft.com/office/drawing/2010/main">
+                <a:solidFill>
+                  <a:srgbClr val="FFFFFF"/>
+                </a:solidFill>
+              </a14:hiddenFill>
+            </a:ext>
+          </a:extLst>
+        </p:spPr>
+      </p:pic>
+    </p:spTree>
+    <p:extLst>
+      <p:ext uri="{BB962C8B-B14F-4D97-AF65-F5344CB8AC3E}">
+        <p14:creationId xmlns:p14="http://schemas.microsoft.com/office/powerpoint/2010/main" val="1958084085"/>
+      </p:ext>
+    </p:extLst>
+  </p:cSld>
+  <p:clrMapOvr>
+    <a:masterClrMapping/>
+  </p:clrMapOvr>
+</p:sld>
+</file>
+
+<file path=ppt/slides/slide11.xml><?xml version="1.0" encoding="utf-8"?>
+<p:sld xmlns:a="http://schemas.openxmlformats.org/drawingml/2006/main" xmlns:r="http://schemas.openxmlformats.org/officeDocument/2006/relationships" xmlns:p="http://schemas.openxmlformats.org/presentationml/2006/main">
+  <p:cSld>
+    <p:spTree>
+      <p:nvGrpSpPr>
+        <p:cNvPr id="1" name=""/>
+        <p:cNvGrpSpPr/>
+        <p:nvPr/>
+      </p:nvGrpSpPr>
+      <p:grpSpPr>
+        <a:xfrm>
+          <a:off x="0" y="0"/>
+          <a:ext cx="0" cy="0"/>
+          <a:chOff x="0" y="0"/>
+          <a:chExt cx="0" cy="0"/>
+        </a:xfrm>
+      </p:grpSpPr>
+      <p:sp>
+        <p:nvSpPr>
+          <p:cNvPr id="2" name="Title 1">
+            <a:extLst>
+              <a:ext uri="{FF2B5EF4-FFF2-40B4-BE49-F238E27FC236}">
                 <a16:creationId xmlns:a16="http://schemas.microsoft.com/office/drawing/2014/main" id="{AB5309BB-E120-4DC0-935C-9D2BAA6038E3}"/>
               </a:ext>
             </a:extLst>
@@ -6241,7 +6422,7 @@
           <p:nvPr>
             <p:extLst>
               <p:ext uri="{D42A27DB-BD31-4B8C-83A1-F6EECF244321}">
-                <p14:modId xmlns:p14="http://schemas.microsoft.com/office/powerpoint/2010/main" val="4199168240"/>
+                <p14:modId xmlns:p14="http://schemas.microsoft.com/office/powerpoint/2010/main" val="595695949"/>
               </p:ext>
             </p:extLst>
           </p:nvPr>
@@ -6284,7 +6465,7 @@
                             <a:schemeClr val="bg1"/>
                           </a:solidFill>
                         </a:rPr>
-                        <a:t>Dohodki</a:t>
+                        <a:t>Dohodki (1. leto)</a:t>
                       </a:r>
                     </a:p>
                   </a:txBody>
@@ -6446,121 +6627,6 @@
 </p:sld>
 </file>
 
-<file path=ppt/slides/slide11.xml><?xml version="1.0" encoding="utf-8"?>
-<p:sld xmlns:a="http://schemas.openxmlformats.org/drawingml/2006/main" xmlns:r="http://schemas.openxmlformats.org/officeDocument/2006/relationships" xmlns:p="http://schemas.openxmlformats.org/presentationml/2006/main">
-  <p:cSld>
-    <p:spTree>
-      <p:nvGrpSpPr>
-        <p:cNvPr id="1" name=""/>
-        <p:cNvGrpSpPr/>
-        <p:nvPr/>
-      </p:nvGrpSpPr>
-      <p:grpSpPr>
-        <a:xfrm>
-          <a:off x="0" y="0"/>
-          <a:ext cx="0" cy="0"/>
-          <a:chOff x="0" y="0"/>
-          <a:chExt cx="0" cy="0"/>
-        </a:xfrm>
-      </p:grpSpPr>
-      <p:sp>
-        <p:nvSpPr>
-          <p:cNvPr id="2" name="Title 1">
-            <a:extLst>
-              <a:ext uri="{FF2B5EF4-FFF2-40B4-BE49-F238E27FC236}">
-                <a16:creationId xmlns:a16="http://schemas.microsoft.com/office/drawing/2014/main" id="{6095D4D8-39DA-4BF5-A95C-82504A73ADE1}"/>
-              </a:ext>
-            </a:extLst>
-          </p:cNvPr>
-          <p:cNvSpPr>
-            <a:spLocks noGrp="1"/>
-          </p:cNvSpPr>
-          <p:nvPr>
-            <p:ph type="title"/>
-          </p:nvPr>
-        </p:nvSpPr>
-        <p:spPr/>
-        <p:txBody>
-          <a:bodyPr/>
-          <a:lstStyle/>
-          <a:p>
-            <a:r>
-              <a:rPr lang="sl-SI" dirty="0"/>
-              <a:t>Skupina</a:t>
-            </a:r>
-          </a:p>
-        </p:txBody>
-      </p:sp>
-      <p:sp>
-        <p:nvSpPr>
-          <p:cNvPr id="3" name="Content Placeholder 2">
-            <a:extLst>
-              <a:ext uri="{FF2B5EF4-FFF2-40B4-BE49-F238E27FC236}">
-                <a16:creationId xmlns:a16="http://schemas.microsoft.com/office/drawing/2014/main" id="{DA45472A-6AC5-4245-967B-631386829F8E}"/>
-              </a:ext>
-            </a:extLst>
-          </p:cNvPr>
-          <p:cNvSpPr>
-            <a:spLocks noGrp="1"/>
-          </p:cNvSpPr>
-          <p:nvPr>
-            <p:ph idx="1"/>
-          </p:nvPr>
-        </p:nvSpPr>
-        <p:spPr/>
-        <p:txBody>
-          <a:bodyPr/>
-          <a:lstStyle/>
-          <a:p>
-            <a:r>
-              <a:rPr lang="sl-SI" dirty="0"/>
-              <a:t>Jaka Jenko – Računalniški tehnik</a:t>
-            </a:r>
-          </a:p>
-          <a:p>
-            <a:r>
-              <a:rPr lang="sl-SI" dirty="0"/>
-              <a:t>Jan Rat  – Računalniški tehnik</a:t>
-            </a:r>
-          </a:p>
-          <a:p>
-            <a:r>
-              <a:rPr lang="sl-SI" dirty="0"/>
-              <a:t>Tilen </a:t>
-            </a:r>
-            <a:r>
-              <a:rPr lang="sl-SI" dirty="0" err="1"/>
-              <a:t>Burjek</a:t>
-            </a:r>
-            <a:r>
-              <a:rPr lang="sl-SI" dirty="0"/>
-              <a:t> - Računalniški tehnik</a:t>
-            </a:r>
-          </a:p>
-          <a:p>
-            <a:r>
-              <a:rPr lang="sl-SI" dirty="0"/>
-              <a:t>Žan Žagar  – Računalniški tehnik</a:t>
-            </a:r>
-          </a:p>
-          <a:p>
-            <a:endParaRPr lang="sl-SI" dirty="0"/>
-          </a:p>
-        </p:txBody>
-      </p:sp>
-    </p:spTree>
-    <p:extLst>
-      <p:ext uri="{BB962C8B-B14F-4D97-AF65-F5344CB8AC3E}">
-        <p14:creationId xmlns:p14="http://schemas.microsoft.com/office/powerpoint/2010/main" val="3722276219"/>
-      </p:ext>
-    </p:extLst>
-  </p:cSld>
-  <p:clrMapOvr>
-    <a:masterClrMapping/>
-  </p:clrMapOvr>
-</p:sld>
-</file>
-
 <file path=ppt/slides/slide12.xml><?xml version="1.0" encoding="utf-8"?>
 <p:sld xmlns:a="http://schemas.openxmlformats.org/drawingml/2006/main" xmlns:r="http://schemas.openxmlformats.org/officeDocument/2006/relationships" xmlns:p="http://schemas.openxmlformats.org/presentationml/2006/main">
   <p:cSld>
@@ -6628,14 +6694,9 @@
           <a:lstStyle/>
           <a:p>
             <a:r>
-              <a:rPr lang="sl-SI" err="1"/>
-              <a:t>weAreWorking</a:t>
-            </a:r>
-            <a:r>
-              <a:rPr lang="sl-SI"/>
-              <a:t>@MagicMirrorCompany.si</a:t>
-            </a:r>
-            <a:endParaRPr lang="sl-SI" dirty="0"/>
+              <a:rPr lang="sl-SI" dirty="0"/>
+              <a:t>info@MagicMirror.si</a:t>
+            </a:r>
           </a:p>
         </p:txBody>
       </p:sp>
@@ -6944,106 +7005,6 @@
           <a:p>
             <a:r>
               <a:rPr lang="sl-SI" dirty="0"/>
-              <a:t>Produkt</a:t>
-            </a:r>
-          </a:p>
-        </p:txBody>
-      </p:sp>
-      <p:sp>
-        <p:nvSpPr>
-          <p:cNvPr id="3" name="Content Placeholder 2">
-            <a:extLst>
-              <a:ext uri="{FF2B5EF4-FFF2-40B4-BE49-F238E27FC236}">
-                <a16:creationId xmlns:a16="http://schemas.microsoft.com/office/drawing/2014/main" id="{DA45472A-6AC5-4245-967B-631386829F8E}"/>
-              </a:ext>
-            </a:extLst>
-          </p:cNvPr>
-          <p:cNvSpPr>
-            <a:spLocks noGrp="1"/>
-          </p:cNvSpPr>
-          <p:nvPr>
-            <p:ph idx="1"/>
-          </p:nvPr>
-        </p:nvSpPr>
-        <p:spPr/>
-        <p:txBody>
-          <a:bodyPr vert="horz" lIns="91440" tIns="45720" rIns="91440" bIns="45720" rtlCol="0" anchor="t">
-            <a:normAutofit/>
-          </a:bodyPr>
-          <a:lstStyle/>
-          <a:p>
-            <a:r>
-              <a:rPr lang="sl-SI" dirty="0"/>
-              <a:t>Pametno ogledalo, ki se ga da modificirati.</a:t>
-            </a:r>
-          </a:p>
-          <a:p>
-            <a:r>
-              <a:rPr lang="sl-SI" dirty="0"/>
-              <a:t>(IRL video predstavitev)</a:t>
-            </a:r>
-          </a:p>
-          <a:p>
-            <a:pPr marL="0" indent="0">
-              <a:buNone/>
-            </a:pPr>
-            <a:endParaRPr lang="sl-SI" dirty="0"/>
-          </a:p>
-        </p:txBody>
-      </p:sp>
-    </p:spTree>
-    <p:extLst>
-      <p:ext uri="{BB962C8B-B14F-4D97-AF65-F5344CB8AC3E}">
-        <p14:creationId xmlns:p14="http://schemas.microsoft.com/office/powerpoint/2010/main" val="936152275"/>
-      </p:ext>
-    </p:extLst>
-  </p:cSld>
-  <p:clrMapOvr>
-    <a:masterClrMapping/>
-  </p:clrMapOvr>
-</p:sld>
-</file>
-
-<file path=ppt/slides/slide4.xml><?xml version="1.0" encoding="utf-8"?>
-<p:sld xmlns:a="http://schemas.openxmlformats.org/drawingml/2006/main" xmlns:r="http://schemas.openxmlformats.org/officeDocument/2006/relationships" xmlns:p="http://schemas.openxmlformats.org/presentationml/2006/main">
-  <p:cSld>
-    <p:spTree>
-      <p:nvGrpSpPr>
-        <p:cNvPr id="1" name=""/>
-        <p:cNvGrpSpPr/>
-        <p:nvPr/>
-      </p:nvGrpSpPr>
-      <p:grpSpPr>
-        <a:xfrm>
-          <a:off x="0" y="0"/>
-          <a:ext cx="0" cy="0"/>
-          <a:chOff x="0" y="0"/>
-          <a:chExt cx="0" cy="0"/>
-        </a:xfrm>
-      </p:grpSpPr>
-      <p:sp>
-        <p:nvSpPr>
-          <p:cNvPr id="2" name="Title 1">
-            <a:extLst>
-              <a:ext uri="{FF2B5EF4-FFF2-40B4-BE49-F238E27FC236}">
-                <a16:creationId xmlns:a16="http://schemas.microsoft.com/office/drawing/2014/main" id="{6095D4D8-39DA-4BF5-A95C-82504A73ADE1}"/>
-              </a:ext>
-            </a:extLst>
-          </p:cNvPr>
-          <p:cNvSpPr>
-            <a:spLocks noGrp="1"/>
-          </p:cNvSpPr>
-          <p:nvPr>
-            <p:ph type="title"/>
-          </p:nvPr>
-        </p:nvSpPr>
-        <p:spPr/>
-        <p:txBody>
-          <a:bodyPr/>
-          <a:lstStyle/>
-          <a:p>
-            <a:r>
-              <a:rPr lang="sl-SI" dirty="0"/>
               <a:t>Rešitev</a:t>
             </a:r>
           </a:p>
@@ -7157,6 +7118,106 @@
     <p:extLst>
       <p:ext uri="{BB962C8B-B14F-4D97-AF65-F5344CB8AC3E}">
         <p14:creationId xmlns:p14="http://schemas.microsoft.com/office/powerpoint/2010/main" val="2639826652"/>
+      </p:ext>
+    </p:extLst>
+  </p:cSld>
+  <p:clrMapOvr>
+    <a:masterClrMapping/>
+  </p:clrMapOvr>
+</p:sld>
+</file>
+
+<file path=ppt/slides/slide4.xml><?xml version="1.0" encoding="utf-8"?>
+<p:sld xmlns:a="http://schemas.openxmlformats.org/drawingml/2006/main" xmlns:r="http://schemas.openxmlformats.org/officeDocument/2006/relationships" xmlns:p="http://schemas.openxmlformats.org/presentationml/2006/main">
+  <p:cSld>
+    <p:spTree>
+      <p:nvGrpSpPr>
+        <p:cNvPr id="1" name=""/>
+        <p:cNvGrpSpPr/>
+        <p:nvPr/>
+      </p:nvGrpSpPr>
+      <p:grpSpPr>
+        <a:xfrm>
+          <a:off x="0" y="0"/>
+          <a:ext cx="0" cy="0"/>
+          <a:chOff x="0" y="0"/>
+          <a:chExt cx="0" cy="0"/>
+        </a:xfrm>
+      </p:grpSpPr>
+      <p:sp>
+        <p:nvSpPr>
+          <p:cNvPr id="2" name="Title 1">
+            <a:extLst>
+              <a:ext uri="{FF2B5EF4-FFF2-40B4-BE49-F238E27FC236}">
+                <a16:creationId xmlns:a16="http://schemas.microsoft.com/office/drawing/2014/main" id="{6095D4D8-39DA-4BF5-A95C-82504A73ADE1}"/>
+              </a:ext>
+            </a:extLst>
+          </p:cNvPr>
+          <p:cNvSpPr>
+            <a:spLocks noGrp="1"/>
+          </p:cNvSpPr>
+          <p:nvPr>
+            <p:ph type="title"/>
+          </p:nvPr>
+        </p:nvSpPr>
+        <p:spPr/>
+        <p:txBody>
+          <a:bodyPr/>
+          <a:lstStyle/>
+          <a:p>
+            <a:r>
+              <a:rPr lang="sl-SI" dirty="0"/>
+              <a:t>Produkt</a:t>
+            </a:r>
+          </a:p>
+        </p:txBody>
+      </p:sp>
+      <p:sp>
+        <p:nvSpPr>
+          <p:cNvPr id="3" name="Content Placeholder 2">
+            <a:extLst>
+              <a:ext uri="{FF2B5EF4-FFF2-40B4-BE49-F238E27FC236}">
+                <a16:creationId xmlns:a16="http://schemas.microsoft.com/office/drawing/2014/main" id="{DA45472A-6AC5-4245-967B-631386829F8E}"/>
+              </a:ext>
+            </a:extLst>
+          </p:cNvPr>
+          <p:cNvSpPr>
+            <a:spLocks noGrp="1"/>
+          </p:cNvSpPr>
+          <p:nvPr>
+            <p:ph idx="1"/>
+          </p:nvPr>
+        </p:nvSpPr>
+        <p:spPr/>
+        <p:txBody>
+          <a:bodyPr vert="horz" lIns="91440" tIns="45720" rIns="91440" bIns="45720" rtlCol="0" anchor="t">
+            <a:normAutofit/>
+          </a:bodyPr>
+          <a:lstStyle/>
+          <a:p>
+            <a:r>
+              <a:rPr lang="sl-SI" dirty="0"/>
+              <a:t>Pametno ogledalo, ki se ga da modificirati.</a:t>
+            </a:r>
+          </a:p>
+          <a:p>
+            <a:r>
+              <a:rPr lang="sl-SI" dirty="0"/>
+              <a:t>(IRL video predstavitev)</a:t>
+            </a:r>
+          </a:p>
+          <a:p>
+            <a:pPr marL="0" indent="0">
+              <a:buNone/>
+            </a:pPr>
+            <a:endParaRPr lang="sl-SI" dirty="0"/>
+          </a:p>
+        </p:txBody>
+      </p:sp>
+    </p:spTree>
+    <p:extLst>
+      <p:ext uri="{BB962C8B-B14F-4D97-AF65-F5344CB8AC3E}">
+        <p14:creationId xmlns:p14="http://schemas.microsoft.com/office/powerpoint/2010/main" val="936152275"/>
       </p:ext>
     </p:extLst>
   </p:cSld>
@@ -7350,7 +7411,7 @@
           <a:p>
             <a:r>
               <a:rPr lang="sl-SI" dirty="0"/>
-              <a:t>Trg</a:t>
+              <a:t>Skupina</a:t>
             </a:r>
           </a:p>
         </p:txBody>
@@ -7373,6 +7434,113 @@
         </p:nvSpPr>
         <p:spPr/>
         <p:txBody>
+          <a:bodyPr/>
+          <a:lstStyle/>
+          <a:p>
+            <a:r>
+              <a:rPr lang="sl-SI" dirty="0"/>
+              <a:t>Jaka Jenko – Rač. Tehnik – programiranje</a:t>
+            </a:r>
+          </a:p>
+          <a:p>
+            <a:r>
+              <a:rPr lang="sl-SI" dirty="0"/>
+              <a:t>Žan Žagar  – Rač. Tehnik - programiranje</a:t>
+            </a:r>
+          </a:p>
+          <a:p>
+            <a:r>
+              <a:rPr lang="sl-SI" dirty="0"/>
+              <a:t>Jan Rat  – Rač. Tehnik - marketing</a:t>
+            </a:r>
+          </a:p>
+          <a:p>
+            <a:r>
+              <a:rPr lang="sl-SI" dirty="0"/>
+              <a:t>Tilen Burjek – Rač. Tehnik - design</a:t>
+            </a:r>
+          </a:p>
+          <a:p>
+            <a:endParaRPr lang="sl-SI" dirty="0"/>
+          </a:p>
+        </p:txBody>
+      </p:sp>
+    </p:spTree>
+    <p:extLst>
+      <p:ext uri="{BB962C8B-B14F-4D97-AF65-F5344CB8AC3E}">
+        <p14:creationId xmlns:p14="http://schemas.microsoft.com/office/powerpoint/2010/main" val="3722276219"/>
+      </p:ext>
+    </p:extLst>
+  </p:cSld>
+  <p:clrMapOvr>
+    <a:masterClrMapping/>
+  </p:clrMapOvr>
+</p:sld>
+</file>
+
+<file path=ppt/slides/slide7.xml><?xml version="1.0" encoding="utf-8"?>
+<p:sld xmlns:a="http://schemas.openxmlformats.org/drawingml/2006/main" xmlns:r="http://schemas.openxmlformats.org/officeDocument/2006/relationships" xmlns:p="http://schemas.openxmlformats.org/presentationml/2006/main">
+  <p:cSld>
+    <p:spTree>
+      <p:nvGrpSpPr>
+        <p:cNvPr id="1" name=""/>
+        <p:cNvGrpSpPr/>
+        <p:nvPr/>
+      </p:nvGrpSpPr>
+      <p:grpSpPr>
+        <a:xfrm>
+          <a:off x="0" y="0"/>
+          <a:ext cx="0" cy="0"/>
+          <a:chOff x="0" y="0"/>
+          <a:chExt cx="0" cy="0"/>
+        </a:xfrm>
+      </p:grpSpPr>
+      <p:sp>
+        <p:nvSpPr>
+          <p:cNvPr id="2" name="Title 1">
+            <a:extLst>
+              <a:ext uri="{FF2B5EF4-FFF2-40B4-BE49-F238E27FC236}">
+                <a16:creationId xmlns:a16="http://schemas.microsoft.com/office/drawing/2014/main" id="{6095D4D8-39DA-4BF5-A95C-82504A73ADE1}"/>
+              </a:ext>
+            </a:extLst>
+          </p:cNvPr>
+          <p:cNvSpPr>
+            <a:spLocks noGrp="1"/>
+          </p:cNvSpPr>
+          <p:nvPr>
+            <p:ph type="title"/>
+          </p:nvPr>
+        </p:nvSpPr>
+        <p:spPr/>
+        <p:txBody>
+          <a:bodyPr/>
+          <a:lstStyle/>
+          <a:p>
+            <a:r>
+              <a:rPr lang="sl-SI" dirty="0"/>
+              <a:t>Trg</a:t>
+            </a:r>
+          </a:p>
+        </p:txBody>
+      </p:sp>
+      <p:sp>
+        <p:nvSpPr>
+          <p:cNvPr id="3" name="Content Placeholder 2">
+            <a:extLst>
+              <a:ext uri="{FF2B5EF4-FFF2-40B4-BE49-F238E27FC236}">
+                <a16:creationId xmlns:a16="http://schemas.microsoft.com/office/drawing/2014/main" id="{DA45472A-6AC5-4245-967B-631386829F8E}"/>
+              </a:ext>
+            </a:extLst>
+          </p:cNvPr>
+          <p:cNvSpPr>
+            <a:spLocks noGrp="1"/>
+          </p:cNvSpPr>
+          <p:nvPr>
+            <p:ph idx="1"/>
+          </p:nvPr>
+        </p:nvSpPr>
+        <p:spPr/>
+        <p:txBody>
           <a:bodyPr vert="horz" lIns="91440" tIns="45720" rIns="91440" bIns="45720" rtlCol="0" anchor="t">
             <a:normAutofit/>
           </a:bodyPr>
@@ -7386,7 +7554,7 @@
           <a:p>
             <a:r>
               <a:rPr lang="sl-SI" dirty="0"/>
-              <a:t>2 milijona pametnih domov</a:t>
+              <a:t>2 milijona pametnih domov (amazon echo, digitalno povezane naprave)</a:t>
             </a:r>
           </a:p>
           <a:p>
@@ -7500,1232 +7668,6 @@
 </p:sld>
 </file>
 
-<file path=ppt/slides/slide7.xml><?xml version="1.0" encoding="utf-8"?>
-<p:sld xmlns:a="http://schemas.openxmlformats.org/drawingml/2006/main" xmlns:r="http://schemas.openxmlformats.org/officeDocument/2006/relationships" xmlns:p="http://schemas.openxmlformats.org/presentationml/2006/main">
-  <p:cSld>
-    <p:spTree>
-      <p:nvGrpSpPr>
-        <p:cNvPr id="1" name=""/>
-        <p:cNvGrpSpPr/>
-        <p:nvPr/>
-      </p:nvGrpSpPr>
-      <p:grpSpPr>
-        <a:xfrm>
-          <a:off x="0" y="0"/>
-          <a:ext cx="0" cy="0"/>
-          <a:chOff x="0" y="0"/>
-          <a:chExt cx="0" cy="0"/>
-        </a:xfrm>
-      </p:grpSpPr>
-      <p:sp>
-        <p:nvSpPr>
-          <p:cNvPr id="2" name="Title 1">
-            <a:extLst>
-              <a:ext uri="{FF2B5EF4-FFF2-40B4-BE49-F238E27FC236}">
-                <a16:creationId xmlns:a16="http://schemas.microsoft.com/office/drawing/2014/main" id="{357C679E-DF55-423C-8C64-C8ED1798E045}"/>
-              </a:ext>
-            </a:extLst>
-          </p:cNvPr>
-          <p:cNvSpPr>
-            <a:spLocks noGrp="1"/>
-          </p:cNvSpPr>
-          <p:nvPr>
-            <p:ph type="title"/>
-          </p:nvPr>
-        </p:nvSpPr>
-        <p:spPr/>
-        <p:txBody>
-          <a:bodyPr/>
-          <a:lstStyle/>
-          <a:p>
-            <a:r>
-              <a:rPr lang="en-US" dirty="0" err="1"/>
-              <a:t>Fizične</a:t>
-            </a:r>
-            <a:r>
-              <a:rPr lang="en-US" dirty="0"/>
-              <a:t> </a:t>
-            </a:r>
-            <a:r>
-              <a:rPr lang="en-US" dirty="0" err="1"/>
-              <a:t>osebe</a:t>
-            </a:r>
-          </a:p>
-        </p:txBody>
-      </p:sp>
-      <p:sp>
-        <p:nvSpPr>
-          <p:cNvPr id="3" name="Content Placeholder 2">
-            <a:extLst>
-              <a:ext uri="{FF2B5EF4-FFF2-40B4-BE49-F238E27FC236}">
-                <a16:creationId xmlns:a16="http://schemas.microsoft.com/office/drawing/2014/main" id="{7B51E09D-37E5-4236-81BC-599D169225DA}"/>
-              </a:ext>
-            </a:extLst>
-          </p:cNvPr>
-          <p:cNvSpPr>
-            <a:spLocks noGrp="1"/>
-          </p:cNvSpPr>
-          <p:nvPr>
-            <p:ph idx="1"/>
-          </p:nvPr>
-        </p:nvSpPr>
-        <p:spPr/>
-        <p:txBody>
-          <a:bodyPr vert="horz" lIns="91440" tIns="45720" rIns="91440" bIns="45720" rtlCol="0" anchor="t">
-            <a:normAutofit lnSpcReduction="10000"/>
-          </a:bodyPr>
-          <a:lstStyle/>
-          <a:p>
-            <a:r>
-              <a:rPr lang="en-US" dirty="0" err="1"/>
-              <a:t>Janez</a:t>
-            </a:r>
-            <a:r>
-              <a:rPr lang="en-US" dirty="0"/>
-              <a:t> Novak, </a:t>
-            </a:r>
-            <a:r>
-              <a:rPr lang="en-US" dirty="0" err="1"/>
-              <a:t>je</a:t>
-            </a:r>
-            <a:r>
-              <a:rPr lang="en-US" dirty="0"/>
-              <a:t> 24 let star web designer, </a:t>
-            </a:r>
-            <a:r>
-              <a:rPr lang="en-US" dirty="0" err="1"/>
-              <a:t>živi</a:t>
-            </a:r>
-            <a:r>
-              <a:rPr lang="en-US" dirty="0"/>
-              <a:t> v </a:t>
-            </a:r>
-            <a:r>
-              <a:rPr lang="en-US" dirty="0" err="1"/>
-              <a:t>bloku</a:t>
-            </a:r>
-            <a:r>
-              <a:rPr lang="en-US" dirty="0"/>
-              <a:t> v </a:t>
-            </a:r>
-            <a:r>
-              <a:rPr lang="en-US" dirty="0" err="1"/>
-              <a:t>Ljubljani</a:t>
-            </a:r>
-            <a:r>
-              <a:rPr lang="en-US" dirty="0"/>
-              <a:t>. </a:t>
-            </a:r>
-            <a:r>
-              <a:rPr lang="en-US" dirty="0" err="1"/>
-              <a:t>Zelo</a:t>
-            </a:r>
-            <a:r>
-              <a:rPr lang="en-US" dirty="0"/>
-              <a:t> </a:t>
-            </a:r>
-            <a:r>
-              <a:rPr lang="en-US" dirty="0" err="1"/>
-              <a:t>ga</a:t>
-            </a:r>
-            <a:r>
-              <a:rPr lang="en-US" dirty="0"/>
-              <a:t> </a:t>
-            </a:r>
-            <a:r>
-              <a:rPr lang="en-US" dirty="0" err="1"/>
-              <a:t>zanima</a:t>
-            </a:r>
-            <a:r>
-              <a:rPr lang="en-US" dirty="0"/>
-              <a:t> </a:t>
-            </a:r>
-            <a:r>
-              <a:rPr lang="en-US" dirty="0" err="1"/>
-              <a:t>področje</a:t>
-            </a:r>
-            <a:r>
-              <a:rPr lang="en-US" dirty="0"/>
-              <a:t> </a:t>
-            </a:r>
-            <a:r>
-              <a:rPr lang="en-US" dirty="0" err="1"/>
-              <a:t>tehnologije</a:t>
-            </a:r>
-            <a:r>
-              <a:rPr lang="en-US" dirty="0"/>
-              <a:t> in </a:t>
-            </a:r>
-            <a:r>
-              <a:rPr lang="en-US" dirty="0" err="1"/>
-              <a:t>vsako</a:t>
-            </a:r>
-            <a:r>
-              <a:rPr lang="en-US" dirty="0"/>
-              <a:t> </a:t>
-            </a:r>
-            <a:r>
-              <a:rPr lang="en-US" dirty="0" err="1"/>
-              <a:t>leto</a:t>
-            </a:r>
-            <a:r>
-              <a:rPr lang="en-US" dirty="0"/>
-              <a:t> </a:t>
-            </a:r>
-            <a:r>
-              <a:rPr lang="en-US" dirty="0" err="1"/>
-              <a:t>kupi</a:t>
-            </a:r>
-            <a:r>
-              <a:rPr lang="en-US" dirty="0"/>
-              <a:t> </a:t>
-            </a:r>
-            <a:r>
-              <a:rPr lang="en-US" dirty="0" err="1"/>
-              <a:t>najnovejši</a:t>
-            </a:r>
-            <a:r>
-              <a:rPr lang="en-US" dirty="0"/>
-              <a:t> </a:t>
-            </a:r>
-            <a:r>
-              <a:rPr lang="en-US" dirty="0" err="1"/>
-              <a:t>telefon</a:t>
-            </a:r>
-            <a:r>
-              <a:rPr lang="en-US" dirty="0"/>
-              <a:t>. Na </a:t>
-            </a:r>
-            <a:r>
-              <a:rPr lang="en-US" dirty="0" err="1"/>
-              <a:t>telefonu</a:t>
-            </a:r>
-            <a:r>
-              <a:rPr lang="en-US" dirty="0"/>
-              <a:t> </a:t>
-            </a:r>
-            <a:r>
-              <a:rPr lang="en-US" dirty="0" err="1"/>
-              <a:t>ima</a:t>
-            </a:r>
-            <a:r>
-              <a:rPr lang="en-US" dirty="0"/>
-              <a:t> </a:t>
-            </a:r>
-            <a:r>
-              <a:rPr lang="en-US" dirty="0" err="1"/>
-              <a:t>vse</a:t>
-            </a:r>
-            <a:r>
-              <a:rPr lang="en-US" dirty="0"/>
-              <a:t> </a:t>
-            </a:r>
-            <a:r>
-              <a:rPr lang="en-US" dirty="0" err="1"/>
-              <a:t>aplikacije</a:t>
-            </a:r>
-            <a:r>
-              <a:rPr lang="en-US" dirty="0"/>
-              <a:t> </a:t>
-            </a:r>
-            <a:r>
-              <a:rPr lang="en-US" dirty="0" err="1"/>
-              <a:t>za</a:t>
-            </a:r>
-            <a:r>
-              <a:rPr lang="en-US" dirty="0"/>
-              <a:t> </a:t>
-            </a:r>
-            <a:r>
-              <a:rPr lang="en-US" dirty="0" err="1"/>
-              <a:t>produktivnost</a:t>
-            </a:r>
-            <a:r>
-              <a:rPr lang="en-US" dirty="0"/>
-              <a:t>,</a:t>
-            </a:r>
-            <a:r>
-              <a:rPr lang="en-US" dirty="0">
-                <a:solidFill>
-                  <a:srgbClr val="404040"/>
-                </a:solidFill>
-              </a:rPr>
-              <a:t> </a:t>
-            </a:r>
-            <a:r>
-              <a:rPr lang="en-US" dirty="0"/>
-              <a:t>in </a:t>
-            </a:r>
-            <a:r>
-              <a:rPr lang="en-US" dirty="0" err="1"/>
-              <a:t>si</a:t>
-            </a:r>
-            <a:r>
-              <a:rPr lang="en-US" dirty="0"/>
-              <a:t> </a:t>
-            </a:r>
-            <a:r>
-              <a:rPr lang="en-US" dirty="0" err="1"/>
-              <a:t>organizira</a:t>
-            </a:r>
-            <a:r>
-              <a:rPr lang="en-US" dirty="0"/>
-              <a:t> </a:t>
-            </a:r>
-            <a:r>
-              <a:rPr lang="en-US" dirty="0" err="1"/>
-              <a:t>vsak</a:t>
-            </a:r>
-            <a:r>
-              <a:rPr lang="en-US" dirty="0"/>
-              <a:t> </a:t>
-            </a:r>
-            <a:r>
-              <a:rPr lang="en-US" dirty="0" err="1"/>
-              <a:t>pomembnejši</a:t>
-            </a:r>
-            <a:r>
-              <a:rPr lang="en-US" dirty="0"/>
-              <a:t> </a:t>
-            </a:r>
-            <a:r>
-              <a:rPr lang="en-US" dirty="0" err="1"/>
-              <a:t>dogodek</a:t>
-            </a:r>
-            <a:r>
-              <a:rPr lang="en-US" dirty="0"/>
-              <a:t> v google </a:t>
-            </a:r>
-            <a:r>
-              <a:rPr lang="en-US" dirty="0" err="1"/>
-              <a:t>calender</a:t>
-            </a:r>
-            <a:r>
-              <a:rPr lang="en-US" dirty="0"/>
-              <a:t>, in v </a:t>
-            </a:r>
-            <a:r>
-              <a:rPr lang="en-US" dirty="0" err="1"/>
-              <a:t>todo</a:t>
-            </a:r>
-            <a:r>
-              <a:rPr lang="en-US" dirty="0"/>
-              <a:t> </a:t>
-            </a:r>
-            <a:r>
-              <a:rPr lang="en-US" dirty="0" err="1"/>
-              <a:t>liste</a:t>
-            </a:r>
-            <a:r>
-              <a:rPr lang="en-US" dirty="0"/>
-              <a:t>.</a:t>
-            </a:r>
-            <a:endParaRPr lang="en-US">
-              <a:solidFill>
-                <a:schemeClr val="tx1"/>
-              </a:solidFill>
-            </a:endParaRPr>
-          </a:p>
-          <a:p>
-            <a:r>
-              <a:rPr lang="en-US" dirty="0"/>
-              <a:t>Samo </a:t>
-            </a:r>
-            <a:r>
-              <a:rPr lang="en-US" dirty="0" err="1"/>
-              <a:t>Hočevar</a:t>
-            </a:r>
-            <a:r>
-              <a:rPr lang="en-US" dirty="0"/>
-              <a:t>, </a:t>
-            </a:r>
-            <a:r>
-              <a:rPr lang="en-US" dirty="0" err="1"/>
-              <a:t>je</a:t>
-            </a:r>
-            <a:r>
-              <a:rPr lang="en-US" dirty="0"/>
-              <a:t> 31 let star </a:t>
-            </a:r>
-            <a:r>
-              <a:rPr lang="en-US" dirty="0" err="1"/>
-              <a:t>oče</a:t>
-            </a:r>
-            <a:r>
-              <a:rPr lang="en-US" dirty="0"/>
-              <a:t>, </a:t>
-            </a:r>
-            <a:r>
-              <a:rPr lang="en-US" dirty="0" err="1"/>
-              <a:t>ki</a:t>
-            </a:r>
-            <a:r>
-              <a:rPr lang="en-US" dirty="0"/>
-              <a:t> </a:t>
-            </a:r>
-            <a:r>
-              <a:rPr lang="en-US" dirty="0" err="1"/>
-              <a:t>je</a:t>
-            </a:r>
-            <a:r>
-              <a:rPr lang="en-US" dirty="0"/>
-              <a:t> </a:t>
-            </a:r>
-            <a:r>
-              <a:rPr lang="en-US" dirty="0" err="1"/>
-              <a:t>zaposlen</a:t>
-            </a:r>
-            <a:r>
-              <a:rPr lang="en-US" dirty="0"/>
-              <a:t> v </a:t>
-            </a:r>
-            <a:r>
-              <a:rPr lang="en-US" dirty="0" err="1"/>
-              <a:t>področju</a:t>
-            </a:r>
-            <a:r>
-              <a:rPr lang="en-US" dirty="0"/>
-              <a:t> </a:t>
-            </a:r>
-            <a:r>
-              <a:rPr lang="en-US" dirty="0" err="1"/>
-              <a:t>informatike</a:t>
-            </a:r>
-            <a:r>
-              <a:rPr lang="en-US" dirty="0"/>
-              <a:t>.  </a:t>
-            </a:r>
-            <a:r>
-              <a:rPr lang="en-US" dirty="0" err="1"/>
-              <a:t>Živi</a:t>
-            </a:r>
-            <a:r>
-              <a:rPr lang="en-US" dirty="0"/>
-              <a:t> v </a:t>
-            </a:r>
-            <a:r>
-              <a:rPr lang="en-US" dirty="0" err="1"/>
-              <a:t>hiši</a:t>
-            </a:r>
-            <a:r>
-              <a:rPr lang="en-US" dirty="0"/>
-              <a:t> v </a:t>
-            </a:r>
-            <a:r>
-              <a:rPr lang="en-US" dirty="0" err="1"/>
-              <a:t>kraju</a:t>
-            </a:r>
-            <a:r>
-              <a:rPr lang="en-US" dirty="0"/>
-              <a:t> </a:t>
-            </a:r>
-            <a:r>
-              <a:rPr lang="en-US" dirty="0" err="1"/>
-              <a:t>izven</a:t>
-            </a:r>
-            <a:r>
-              <a:rPr lang="en-US" dirty="0"/>
-              <a:t> </a:t>
-            </a:r>
-            <a:r>
-              <a:rPr lang="en-US" dirty="0" err="1"/>
-              <a:t>Ljubljane</a:t>
-            </a:r>
-            <a:r>
-              <a:rPr lang="en-US" dirty="0"/>
-              <a:t>. </a:t>
-            </a:r>
-            <a:r>
-              <a:rPr lang="en-US" dirty="0" err="1"/>
-              <a:t>Zanima</a:t>
-            </a:r>
-            <a:r>
-              <a:rPr lang="en-US" dirty="0"/>
-              <a:t> </a:t>
-            </a:r>
-            <a:r>
-              <a:rPr lang="en-US" dirty="0" err="1"/>
-              <a:t>ga</a:t>
-            </a:r>
-            <a:r>
-              <a:rPr lang="en-US" dirty="0"/>
-              <a:t> </a:t>
-            </a:r>
-            <a:r>
-              <a:rPr lang="en-US" dirty="0" err="1"/>
-              <a:t>podrobno</a:t>
-            </a:r>
-            <a:r>
-              <a:rPr lang="en-US" dirty="0"/>
-              <a:t> </a:t>
-            </a:r>
-            <a:r>
-              <a:rPr lang="en-US" dirty="0" err="1"/>
-              <a:t>kako</a:t>
-            </a:r>
-            <a:r>
-              <a:rPr lang="en-US" dirty="0"/>
-              <a:t> </a:t>
-            </a:r>
-            <a:r>
-              <a:rPr lang="en-US" dirty="0" err="1"/>
-              <a:t>funkcionira</a:t>
-            </a:r>
-            <a:r>
-              <a:rPr lang="en-US" dirty="0"/>
-              <a:t> </a:t>
-            </a:r>
-            <a:r>
-              <a:rPr lang="en-US" dirty="0" err="1"/>
-              <a:t>vsaka</a:t>
-            </a:r>
-            <a:r>
-              <a:rPr lang="en-US" dirty="0"/>
-              <a:t> </a:t>
-            </a:r>
-            <a:r>
-              <a:rPr lang="en-US" dirty="0" err="1"/>
-              <a:t>tehnološka</a:t>
-            </a:r>
-            <a:r>
-              <a:rPr lang="en-US" dirty="0"/>
-              <a:t> </a:t>
-            </a:r>
-            <a:r>
-              <a:rPr lang="en-US" dirty="0" err="1"/>
-              <a:t>stvar</a:t>
-            </a:r>
-            <a:r>
-              <a:rPr lang="en-US" dirty="0"/>
-              <a:t> in </a:t>
-            </a:r>
-            <a:r>
-              <a:rPr lang="en-US" dirty="0" err="1"/>
-              <a:t>aplikacija</a:t>
-            </a:r>
-            <a:r>
-              <a:rPr lang="en-US" dirty="0"/>
-              <a:t>, in </a:t>
-            </a:r>
-            <a:r>
-              <a:rPr lang="en-US" dirty="0" err="1"/>
-              <a:t>je</a:t>
-            </a:r>
-            <a:r>
-              <a:rPr lang="en-US" dirty="0"/>
-              <a:t> </a:t>
-            </a:r>
-            <a:r>
-              <a:rPr lang="en-US" dirty="0" err="1"/>
-              <a:t>zelo</a:t>
-            </a:r>
-            <a:r>
-              <a:rPr lang="en-US" dirty="0"/>
-              <a:t> </a:t>
-            </a:r>
-            <a:r>
-              <a:rPr lang="en-US" dirty="0" err="1"/>
-              <a:t>navdušen</a:t>
-            </a:r>
-            <a:r>
-              <a:rPr lang="en-US" dirty="0"/>
-              <a:t> </a:t>
-            </a:r>
-            <a:r>
-              <a:rPr lang="en-US" dirty="0" err="1"/>
-              <a:t>nad</a:t>
-            </a:r>
-            <a:r>
-              <a:rPr lang="en-US" dirty="0"/>
-              <a:t> open source </a:t>
-            </a:r>
-            <a:r>
-              <a:rPr lang="en-US" dirty="0" err="1"/>
-              <a:t>rešitvami</a:t>
-            </a:r>
-            <a:r>
-              <a:rPr lang="en-US" dirty="0"/>
-              <a:t> in </a:t>
-            </a:r>
-            <a:r>
-              <a:rPr lang="en-US" dirty="0" err="1"/>
-              <a:t>programiranju</a:t>
-            </a:r>
-            <a:r>
-              <a:rPr lang="en-US" dirty="0"/>
-              <a:t>. </a:t>
-            </a:r>
-            <a:r>
-              <a:rPr lang="en-US" dirty="0" err="1"/>
-              <a:t>Za</a:t>
-            </a:r>
-            <a:r>
-              <a:rPr lang="en-US" dirty="0"/>
-              <a:t> </a:t>
-            </a:r>
-            <a:r>
-              <a:rPr lang="en-US" dirty="0" err="1"/>
-              <a:t>sina</a:t>
-            </a:r>
-            <a:r>
-              <a:rPr lang="en-US" dirty="0"/>
-              <a:t> </a:t>
-            </a:r>
-            <a:r>
-              <a:rPr lang="en-US" dirty="0" err="1"/>
-              <a:t>je</a:t>
-            </a:r>
-            <a:r>
-              <a:rPr lang="en-US" dirty="0"/>
-              <a:t> </a:t>
-            </a:r>
-            <a:r>
-              <a:rPr lang="en-US" dirty="0" err="1"/>
-              <a:t>prejšni</a:t>
-            </a:r>
-            <a:r>
-              <a:rPr lang="en-US" dirty="0"/>
-              <a:t> </a:t>
-            </a:r>
-            <a:r>
-              <a:rPr lang="en-US" dirty="0" err="1"/>
-              <a:t>božič</a:t>
-            </a:r>
-            <a:r>
-              <a:rPr lang="en-US" dirty="0"/>
-              <a:t> </a:t>
-            </a:r>
-            <a:r>
-              <a:rPr lang="en-US" dirty="0" err="1"/>
-              <a:t>kupil</a:t>
-            </a:r>
-            <a:r>
-              <a:rPr lang="en-US" dirty="0"/>
-              <a:t> iPad, </a:t>
-            </a:r>
-            <a:r>
-              <a:rPr lang="en-US" dirty="0" err="1"/>
-              <a:t>delno</a:t>
-            </a:r>
-            <a:r>
-              <a:rPr lang="en-US" dirty="0"/>
-              <a:t> pa </a:t>
-            </a:r>
-            <a:r>
-              <a:rPr lang="en-US" dirty="0" err="1"/>
-              <a:t>tudi</a:t>
-            </a:r>
-            <a:r>
-              <a:rPr lang="en-US" dirty="0"/>
-              <a:t> </a:t>
-            </a:r>
-            <a:r>
-              <a:rPr lang="en-US" dirty="0" err="1"/>
-              <a:t>za</a:t>
-            </a:r>
-            <a:r>
-              <a:rPr lang="en-US" dirty="0"/>
-              <a:t> </a:t>
-            </a:r>
-            <a:r>
-              <a:rPr lang="en-US" dirty="0" err="1"/>
-              <a:t>sebe</a:t>
-            </a:r>
-            <a:r>
-              <a:rPr lang="en-US" dirty="0"/>
-              <a:t> </a:t>
-            </a:r>
-            <a:r>
-              <a:rPr lang="en-US" dirty="0" err="1"/>
-              <a:t>ker</a:t>
-            </a:r>
-            <a:r>
-              <a:rPr lang="en-US" dirty="0"/>
-              <a:t> </a:t>
-            </a:r>
-            <a:r>
-              <a:rPr lang="en-US" dirty="0" err="1"/>
-              <a:t>je</a:t>
-            </a:r>
-            <a:r>
-              <a:rPr lang="en-US" dirty="0"/>
-              <a:t> to </a:t>
-            </a:r>
-            <a:r>
-              <a:rPr lang="en-US" dirty="0" err="1"/>
-              <a:t>bila</a:t>
-            </a:r>
-            <a:r>
-              <a:rPr lang="en-US" dirty="0"/>
-              <a:t> </a:t>
-            </a:r>
-            <a:r>
-              <a:rPr lang="en-US" dirty="0" err="1"/>
-              <a:t>zanj</a:t>
-            </a:r>
-            <a:r>
-              <a:rPr lang="en-US" dirty="0"/>
-              <a:t> </a:t>
-            </a:r>
-            <a:r>
-              <a:rPr lang="en-US" dirty="0" err="1"/>
-              <a:t>prva</a:t>
-            </a:r>
-            <a:r>
-              <a:rPr lang="en-US" dirty="0"/>
-              <a:t> </a:t>
-            </a:r>
-            <a:r>
-              <a:rPr lang="en-US" dirty="0" err="1"/>
-              <a:t>tablica</a:t>
-            </a:r>
-            <a:r>
-              <a:rPr lang="en-US" dirty="0"/>
-              <a:t>.</a:t>
-            </a:r>
-          </a:p>
-          <a:p>
-            <a:r>
-              <a:rPr lang="en-US" dirty="0">
-                <a:solidFill>
-                  <a:srgbClr val="404040"/>
-                </a:solidFill>
-              </a:rPr>
-              <a:t>Aleks </a:t>
-            </a:r>
-            <a:r>
-              <a:rPr lang="en-US" dirty="0" err="1">
-                <a:solidFill>
-                  <a:srgbClr val="404040"/>
-                </a:solidFill>
-              </a:rPr>
-              <a:t>Kovač</a:t>
-            </a:r>
-            <a:r>
-              <a:rPr lang="en-US" dirty="0">
-                <a:solidFill>
-                  <a:srgbClr val="404040"/>
-                </a:solidFill>
-              </a:rPr>
-              <a:t>, </a:t>
-            </a:r>
-            <a:r>
-              <a:rPr lang="en-US" dirty="0" err="1">
-                <a:solidFill>
-                  <a:srgbClr val="404040"/>
-                </a:solidFill>
-              </a:rPr>
-              <a:t>je</a:t>
-            </a:r>
-            <a:r>
-              <a:rPr lang="en-US" dirty="0">
-                <a:solidFill>
-                  <a:srgbClr val="404040"/>
-                </a:solidFill>
-              </a:rPr>
-              <a:t> 26 let star </a:t>
-            </a:r>
-            <a:r>
-              <a:rPr lang="en-US" dirty="0" err="1">
-                <a:solidFill>
-                  <a:srgbClr val="404040"/>
-                </a:solidFill>
-              </a:rPr>
-              <a:t>ustanovitelj</a:t>
-            </a:r>
-            <a:r>
-              <a:rPr lang="en-US" dirty="0">
-                <a:solidFill>
-                  <a:srgbClr val="404040"/>
-                </a:solidFill>
-              </a:rPr>
-              <a:t> </a:t>
-            </a:r>
-            <a:r>
-              <a:rPr lang="en-US" dirty="0" err="1">
-                <a:solidFill>
-                  <a:srgbClr val="404040"/>
-                </a:solidFill>
-              </a:rPr>
-              <a:t>startupa</a:t>
-            </a:r>
-            <a:r>
-              <a:rPr lang="en-US" dirty="0">
-                <a:solidFill>
-                  <a:srgbClr val="404040"/>
-                </a:solidFill>
-              </a:rPr>
-              <a:t>, </a:t>
-            </a:r>
-            <a:r>
-              <a:rPr lang="en-US" dirty="0" err="1">
-                <a:solidFill>
-                  <a:srgbClr val="404040"/>
-                </a:solidFill>
-              </a:rPr>
-              <a:t>pri</a:t>
-            </a:r>
-            <a:r>
-              <a:rPr lang="en-US" dirty="0">
-                <a:solidFill>
-                  <a:srgbClr val="404040"/>
-                </a:solidFill>
-              </a:rPr>
-              <a:t> 19 mu </a:t>
-            </a:r>
-            <a:r>
-              <a:rPr lang="en-US" dirty="0" err="1">
-                <a:solidFill>
-                  <a:srgbClr val="404040"/>
-                </a:solidFill>
-              </a:rPr>
-              <a:t>je</a:t>
-            </a:r>
-            <a:r>
-              <a:rPr lang="en-US" dirty="0">
-                <a:solidFill>
-                  <a:srgbClr val="404040"/>
-                </a:solidFill>
-              </a:rPr>
-              <a:t> </a:t>
-            </a:r>
-            <a:r>
-              <a:rPr lang="en-US" dirty="0" err="1">
-                <a:solidFill>
-                  <a:srgbClr val="404040"/>
-                </a:solidFill>
-              </a:rPr>
-              <a:t>že</a:t>
-            </a:r>
-            <a:r>
-              <a:rPr lang="en-US" dirty="0">
-                <a:solidFill>
-                  <a:srgbClr val="404040"/>
-                </a:solidFill>
-              </a:rPr>
-              <a:t> </a:t>
-            </a:r>
-            <a:r>
-              <a:rPr lang="en-US" dirty="0" err="1">
-                <a:solidFill>
-                  <a:srgbClr val="404040"/>
-                </a:solidFill>
-              </a:rPr>
-              <a:t>uspelo</a:t>
-            </a:r>
-            <a:r>
-              <a:rPr lang="en-US" dirty="0">
-                <a:solidFill>
-                  <a:srgbClr val="404040"/>
-                </a:solidFill>
-              </a:rPr>
-              <a:t> </a:t>
-            </a:r>
-            <a:r>
-              <a:rPr lang="en-US" dirty="0" err="1">
-                <a:solidFill>
-                  <a:srgbClr val="404040"/>
-                </a:solidFill>
-              </a:rPr>
-              <a:t>sprogramirati</a:t>
-            </a:r>
-            <a:r>
-              <a:rPr lang="en-US" dirty="0">
-                <a:solidFill>
-                  <a:srgbClr val="404040"/>
-                </a:solidFill>
-              </a:rPr>
-              <a:t> </a:t>
-            </a:r>
-            <a:r>
-              <a:rPr lang="en-US" dirty="0" err="1">
-                <a:solidFill>
-                  <a:srgbClr val="404040"/>
-                </a:solidFill>
-              </a:rPr>
-              <a:t>prvo</a:t>
-            </a:r>
-            <a:r>
-              <a:rPr lang="en-US" dirty="0">
-                <a:solidFill>
-                  <a:srgbClr val="404040"/>
-                </a:solidFill>
-              </a:rPr>
-              <a:t> </a:t>
-            </a:r>
-            <a:r>
-              <a:rPr lang="en-US" dirty="0" err="1">
-                <a:solidFill>
-                  <a:srgbClr val="404040"/>
-                </a:solidFill>
-              </a:rPr>
-              <a:t>igro</a:t>
-            </a:r>
-            <a:r>
-              <a:rPr lang="en-US" dirty="0">
-                <a:solidFill>
-                  <a:srgbClr val="404040"/>
-                </a:solidFill>
-              </a:rPr>
-              <a:t>, </a:t>
-            </a:r>
-            <a:r>
-              <a:rPr lang="en-US" dirty="0" err="1">
-                <a:solidFill>
-                  <a:srgbClr val="404040"/>
-                </a:solidFill>
-              </a:rPr>
-              <a:t>za</a:t>
-            </a:r>
-            <a:r>
-              <a:rPr lang="en-US" dirty="0">
-                <a:solidFill>
-                  <a:srgbClr val="404040"/>
-                </a:solidFill>
-              </a:rPr>
-              <a:t> google play store in app store, </a:t>
-            </a:r>
-            <a:r>
-              <a:rPr lang="en-US" dirty="0" err="1">
-                <a:solidFill>
-                  <a:srgbClr val="404040"/>
-                </a:solidFill>
-              </a:rPr>
-              <a:t>pri</a:t>
-            </a:r>
-            <a:r>
-              <a:rPr lang="en-US" dirty="0">
-                <a:solidFill>
-                  <a:srgbClr val="404040"/>
-                </a:solidFill>
-              </a:rPr>
-              <a:t> 23 pa </a:t>
-            </a:r>
-            <a:r>
-              <a:rPr lang="en-US" dirty="0" err="1">
-                <a:solidFill>
-                  <a:srgbClr val="404040"/>
-                </a:solidFill>
-              </a:rPr>
-              <a:t>je</a:t>
-            </a:r>
-            <a:r>
-              <a:rPr lang="en-US" dirty="0">
-                <a:solidFill>
-                  <a:srgbClr val="404040"/>
-                </a:solidFill>
-              </a:rPr>
-              <a:t> s </a:t>
-            </a:r>
-            <a:r>
-              <a:rPr lang="en-US" dirty="0" err="1">
-                <a:solidFill>
-                  <a:srgbClr val="404040"/>
-                </a:solidFill>
-              </a:rPr>
-              <a:t>prijatelji</a:t>
-            </a:r>
-            <a:r>
-              <a:rPr lang="en-US" dirty="0">
-                <a:solidFill>
-                  <a:srgbClr val="404040"/>
-                </a:solidFill>
-              </a:rPr>
-              <a:t> </a:t>
-            </a:r>
-            <a:r>
-              <a:rPr lang="en-US" dirty="0" err="1">
-                <a:solidFill>
-                  <a:srgbClr val="404040"/>
-                </a:solidFill>
-              </a:rPr>
-              <a:t>naredil</a:t>
-            </a:r>
-            <a:r>
-              <a:rPr lang="en-US" dirty="0">
-                <a:solidFill>
-                  <a:srgbClr val="404040"/>
-                </a:solidFill>
-              </a:rPr>
-              <a:t> </a:t>
-            </a:r>
-            <a:r>
-              <a:rPr lang="en-US" dirty="0" err="1">
-                <a:solidFill>
-                  <a:srgbClr val="404040"/>
-                </a:solidFill>
-              </a:rPr>
-              <a:t>aplikacijo</a:t>
-            </a:r>
-            <a:r>
-              <a:rPr lang="en-US" dirty="0">
-                <a:solidFill>
-                  <a:srgbClr val="404040"/>
-                </a:solidFill>
-              </a:rPr>
-              <a:t>, </a:t>
-            </a:r>
-            <a:r>
-              <a:rPr lang="en-US" dirty="0" err="1">
-                <a:solidFill>
-                  <a:srgbClr val="404040"/>
-                </a:solidFill>
-              </a:rPr>
-              <a:t>ki</a:t>
-            </a:r>
-            <a:r>
-              <a:rPr lang="en-US" dirty="0">
-                <a:solidFill>
-                  <a:srgbClr val="404040"/>
-                </a:solidFill>
-              </a:rPr>
-              <a:t> </a:t>
-            </a:r>
-            <a:r>
-              <a:rPr lang="en-US" dirty="0" err="1">
-                <a:solidFill>
-                  <a:srgbClr val="404040"/>
-                </a:solidFill>
-              </a:rPr>
-              <a:t>je</a:t>
-            </a:r>
-            <a:r>
-              <a:rPr lang="en-US" dirty="0">
-                <a:solidFill>
-                  <a:srgbClr val="404040"/>
-                </a:solidFill>
-              </a:rPr>
-              <a:t> </a:t>
-            </a:r>
-            <a:r>
-              <a:rPr lang="en-US" dirty="0" err="1">
-                <a:solidFill>
-                  <a:srgbClr val="404040"/>
-                </a:solidFill>
-              </a:rPr>
-              <a:t>čez</a:t>
-            </a:r>
-            <a:r>
-              <a:rPr lang="en-US" dirty="0">
-                <a:solidFill>
-                  <a:srgbClr val="404040"/>
-                </a:solidFill>
-              </a:rPr>
-              <a:t> </a:t>
-            </a:r>
-            <a:r>
-              <a:rPr lang="en-US" dirty="0" err="1">
-                <a:solidFill>
-                  <a:srgbClr val="404040"/>
-                </a:solidFill>
-              </a:rPr>
-              <a:t>noč</a:t>
-            </a:r>
-            <a:r>
-              <a:rPr lang="en-US" dirty="0">
-                <a:solidFill>
-                  <a:srgbClr val="404040"/>
-                </a:solidFill>
-              </a:rPr>
-              <a:t> </a:t>
-            </a:r>
-            <a:r>
-              <a:rPr lang="en-US" dirty="0" err="1">
-                <a:solidFill>
-                  <a:srgbClr val="404040"/>
-                </a:solidFill>
-              </a:rPr>
-              <a:t>postala</a:t>
-            </a:r>
-            <a:r>
-              <a:rPr lang="en-US" dirty="0">
-                <a:solidFill>
-                  <a:srgbClr val="404040"/>
-                </a:solidFill>
-              </a:rPr>
-              <a:t> </a:t>
-            </a:r>
-            <a:r>
-              <a:rPr lang="en-US" dirty="0" err="1">
-                <a:solidFill>
-                  <a:srgbClr val="404040"/>
-                </a:solidFill>
-              </a:rPr>
-              <a:t>uspeh</a:t>
-            </a:r>
-            <a:r>
-              <a:rPr lang="en-US" dirty="0">
-                <a:solidFill>
-                  <a:srgbClr val="404040"/>
-                </a:solidFill>
-              </a:rPr>
-              <a:t> </a:t>
-            </a:r>
-            <a:r>
-              <a:rPr lang="en-US" dirty="0" err="1">
-                <a:solidFill>
-                  <a:srgbClr val="404040"/>
-                </a:solidFill>
-              </a:rPr>
-              <a:t>na</a:t>
-            </a:r>
-            <a:r>
-              <a:rPr lang="en-US" dirty="0">
-                <a:solidFill>
-                  <a:srgbClr val="404040"/>
-                </a:solidFill>
-              </a:rPr>
-              <a:t> google play </a:t>
-            </a:r>
-            <a:r>
-              <a:rPr lang="en-US" dirty="0" err="1">
-                <a:solidFill>
-                  <a:srgbClr val="404040"/>
-                </a:solidFill>
-              </a:rPr>
-              <a:t>storu</a:t>
-            </a:r>
-            <a:r>
-              <a:rPr lang="en-US" dirty="0">
-                <a:solidFill>
-                  <a:srgbClr val="404040"/>
-                </a:solidFill>
-              </a:rPr>
-              <a:t> in app </a:t>
-            </a:r>
-            <a:r>
-              <a:rPr lang="en-US" dirty="0" err="1">
-                <a:solidFill>
-                  <a:srgbClr val="404040"/>
-                </a:solidFill>
-              </a:rPr>
-              <a:t>storu</a:t>
-            </a:r>
-            <a:r>
-              <a:rPr lang="en-US" dirty="0">
-                <a:solidFill>
-                  <a:srgbClr val="404040"/>
-                </a:solidFill>
-              </a:rPr>
-              <a:t>. Ima </a:t>
-            </a:r>
-            <a:r>
-              <a:rPr lang="en-US" dirty="0" err="1">
-                <a:solidFill>
-                  <a:srgbClr val="404040"/>
-                </a:solidFill>
-              </a:rPr>
-              <a:t>veliko</a:t>
-            </a:r>
-            <a:r>
-              <a:rPr lang="en-US" dirty="0">
-                <a:solidFill>
-                  <a:srgbClr val="404040"/>
-                </a:solidFill>
-              </a:rPr>
-              <a:t> </a:t>
-            </a:r>
-            <a:r>
-              <a:rPr lang="en-US" dirty="0" err="1">
-                <a:solidFill>
-                  <a:srgbClr val="404040"/>
-                </a:solidFill>
-              </a:rPr>
-              <a:t>denarja</a:t>
-            </a:r>
-            <a:r>
-              <a:rPr lang="en-US" dirty="0">
-                <a:solidFill>
-                  <a:srgbClr val="404040"/>
-                </a:solidFill>
-              </a:rPr>
-              <a:t> in </a:t>
-            </a:r>
-            <a:r>
-              <a:rPr lang="en-US" dirty="0" err="1">
-                <a:solidFill>
-                  <a:srgbClr val="404040"/>
-                </a:solidFill>
-              </a:rPr>
-              <a:t>živi</a:t>
-            </a:r>
-            <a:r>
-              <a:rPr lang="en-US" dirty="0">
-                <a:solidFill>
-                  <a:srgbClr val="404040"/>
-                </a:solidFill>
-              </a:rPr>
-              <a:t> v </a:t>
-            </a:r>
-            <a:r>
-              <a:rPr lang="en-US" dirty="0" err="1">
-                <a:solidFill>
-                  <a:srgbClr val="404040"/>
-                </a:solidFill>
-              </a:rPr>
-              <a:t>veliki</a:t>
-            </a:r>
-            <a:r>
-              <a:rPr lang="en-US" dirty="0">
-                <a:solidFill>
-                  <a:srgbClr val="404040"/>
-                </a:solidFill>
-              </a:rPr>
-              <a:t> </a:t>
-            </a:r>
-            <a:r>
-              <a:rPr lang="en-US" dirty="0" err="1">
-                <a:solidFill>
-                  <a:srgbClr val="404040"/>
-                </a:solidFill>
-              </a:rPr>
-              <a:t>razkošni</a:t>
-            </a:r>
-            <a:r>
-              <a:rPr lang="en-US" dirty="0">
-                <a:solidFill>
-                  <a:srgbClr val="404040"/>
-                </a:solidFill>
-              </a:rPr>
-              <a:t> </a:t>
-            </a:r>
-            <a:r>
-              <a:rPr lang="en-US" dirty="0" err="1">
-                <a:solidFill>
-                  <a:srgbClr val="404040"/>
-                </a:solidFill>
-              </a:rPr>
-              <a:t>hiši</a:t>
-            </a:r>
-            <a:r>
-              <a:rPr lang="en-US" dirty="0">
-                <a:solidFill>
-                  <a:srgbClr val="404040"/>
-                </a:solidFill>
-              </a:rPr>
-              <a:t>.</a:t>
-            </a:r>
-            <a:endParaRPr lang="en-US" dirty="0">
-              <a:solidFill>
-                <a:schemeClr val="tx1"/>
-              </a:solidFill>
-            </a:endParaRPr>
-          </a:p>
-        </p:txBody>
-      </p:sp>
-    </p:spTree>
-    <p:extLst>
-      <p:ext uri="{BB962C8B-B14F-4D97-AF65-F5344CB8AC3E}">
-        <p14:creationId xmlns:p14="http://schemas.microsoft.com/office/powerpoint/2010/main" val="56976675"/>
-      </p:ext>
-    </p:extLst>
-  </p:cSld>
-  <p:clrMapOvr>
-    <a:masterClrMapping/>
-  </p:clrMapOvr>
-</p:sld>
-</file>
-
 <file path=ppt/slides/slide8.xml><?xml version="1.0" encoding="utf-8"?>
 <p:sld xmlns:a="http://schemas.openxmlformats.org/drawingml/2006/main" xmlns:r="http://schemas.openxmlformats.org/officeDocument/2006/relationships" xmlns:p="http://schemas.openxmlformats.org/presentationml/2006/main">
   <p:cSld>
@@ -8748,6 +7690,1233 @@
           <p:cNvPr id="2" name="Title 1">
             <a:extLst>
               <a:ext uri="{FF2B5EF4-FFF2-40B4-BE49-F238E27FC236}">
+                <a16:creationId xmlns:a16="http://schemas.microsoft.com/office/drawing/2014/main" id="{357C679E-DF55-423C-8C64-C8ED1798E045}"/>
+              </a:ext>
+            </a:extLst>
+          </p:cNvPr>
+          <p:cNvSpPr>
+            <a:spLocks noGrp="1"/>
+          </p:cNvSpPr>
+          <p:nvPr>
+            <p:ph type="title"/>
+          </p:nvPr>
+        </p:nvSpPr>
+        <p:spPr/>
+        <p:txBody>
+          <a:bodyPr/>
+          <a:lstStyle/>
+          <a:p>
+            <a:r>
+              <a:rPr lang="en-US" dirty="0" err="1"/>
+              <a:t>Fizične</a:t>
+            </a:r>
+            <a:r>
+              <a:rPr lang="en-US" dirty="0"/>
+              <a:t> </a:t>
+            </a:r>
+            <a:r>
+              <a:rPr lang="en-US" dirty="0" err="1"/>
+              <a:t>osebe</a:t>
+            </a:r>
+            <a:endParaRPr lang="en-US" dirty="0"/>
+          </a:p>
+        </p:txBody>
+      </p:sp>
+      <p:sp>
+        <p:nvSpPr>
+          <p:cNvPr id="3" name="Content Placeholder 2">
+            <a:extLst>
+              <a:ext uri="{FF2B5EF4-FFF2-40B4-BE49-F238E27FC236}">
+                <a16:creationId xmlns:a16="http://schemas.microsoft.com/office/drawing/2014/main" id="{7B51E09D-37E5-4236-81BC-599D169225DA}"/>
+              </a:ext>
+            </a:extLst>
+          </p:cNvPr>
+          <p:cNvSpPr>
+            <a:spLocks noGrp="1"/>
+          </p:cNvSpPr>
+          <p:nvPr>
+            <p:ph idx="1"/>
+          </p:nvPr>
+        </p:nvSpPr>
+        <p:spPr/>
+        <p:txBody>
+          <a:bodyPr vert="horz" lIns="91440" tIns="45720" rIns="91440" bIns="45720" rtlCol="0" anchor="t">
+            <a:normAutofit lnSpcReduction="10000"/>
+          </a:bodyPr>
+          <a:lstStyle/>
+          <a:p>
+            <a:r>
+              <a:rPr lang="en-US" dirty="0" err="1"/>
+              <a:t>Janez</a:t>
+            </a:r>
+            <a:r>
+              <a:rPr lang="en-US" dirty="0"/>
+              <a:t> Novak, </a:t>
+            </a:r>
+            <a:r>
+              <a:rPr lang="en-US" dirty="0" err="1"/>
+              <a:t>je</a:t>
+            </a:r>
+            <a:r>
+              <a:rPr lang="en-US" dirty="0"/>
+              <a:t> 24 let star web designer, </a:t>
+            </a:r>
+            <a:r>
+              <a:rPr lang="en-US" dirty="0" err="1"/>
+              <a:t>živi</a:t>
+            </a:r>
+            <a:r>
+              <a:rPr lang="en-US" dirty="0"/>
+              <a:t> v </a:t>
+            </a:r>
+            <a:r>
+              <a:rPr lang="en-US" dirty="0" err="1"/>
+              <a:t>bloku</a:t>
+            </a:r>
+            <a:r>
+              <a:rPr lang="en-US" dirty="0"/>
+              <a:t> v </a:t>
+            </a:r>
+            <a:r>
+              <a:rPr lang="en-US" dirty="0" err="1"/>
+              <a:t>Ljubljani</a:t>
+            </a:r>
+            <a:r>
+              <a:rPr lang="en-US" dirty="0"/>
+              <a:t>. </a:t>
+            </a:r>
+            <a:r>
+              <a:rPr lang="en-US" dirty="0" err="1"/>
+              <a:t>Zelo</a:t>
+            </a:r>
+            <a:r>
+              <a:rPr lang="en-US" dirty="0"/>
+              <a:t> </a:t>
+            </a:r>
+            <a:r>
+              <a:rPr lang="en-US" dirty="0" err="1"/>
+              <a:t>ga</a:t>
+            </a:r>
+            <a:r>
+              <a:rPr lang="en-US" dirty="0"/>
+              <a:t> </a:t>
+            </a:r>
+            <a:r>
+              <a:rPr lang="en-US" dirty="0" err="1"/>
+              <a:t>zanima</a:t>
+            </a:r>
+            <a:r>
+              <a:rPr lang="en-US" dirty="0"/>
+              <a:t> </a:t>
+            </a:r>
+            <a:r>
+              <a:rPr lang="en-US" dirty="0" err="1"/>
+              <a:t>področje</a:t>
+            </a:r>
+            <a:r>
+              <a:rPr lang="en-US" dirty="0"/>
+              <a:t> </a:t>
+            </a:r>
+            <a:r>
+              <a:rPr lang="en-US" dirty="0" err="1"/>
+              <a:t>tehnologije</a:t>
+            </a:r>
+            <a:r>
+              <a:rPr lang="en-US" dirty="0"/>
+              <a:t> in </a:t>
+            </a:r>
+            <a:r>
+              <a:rPr lang="en-US" dirty="0" err="1"/>
+              <a:t>vsako</a:t>
+            </a:r>
+            <a:r>
+              <a:rPr lang="en-US" dirty="0"/>
+              <a:t> </a:t>
+            </a:r>
+            <a:r>
+              <a:rPr lang="en-US" dirty="0" err="1"/>
+              <a:t>leto</a:t>
+            </a:r>
+            <a:r>
+              <a:rPr lang="en-US" dirty="0"/>
+              <a:t> </a:t>
+            </a:r>
+            <a:r>
+              <a:rPr lang="en-US" dirty="0" err="1"/>
+              <a:t>kupi</a:t>
+            </a:r>
+            <a:r>
+              <a:rPr lang="en-US" dirty="0"/>
+              <a:t> </a:t>
+            </a:r>
+            <a:r>
+              <a:rPr lang="en-US" dirty="0" err="1"/>
+              <a:t>najnovejši</a:t>
+            </a:r>
+            <a:r>
+              <a:rPr lang="en-US" dirty="0"/>
+              <a:t> </a:t>
+            </a:r>
+            <a:r>
+              <a:rPr lang="en-US" dirty="0" err="1"/>
+              <a:t>telefon</a:t>
+            </a:r>
+            <a:r>
+              <a:rPr lang="en-US" dirty="0"/>
+              <a:t>. Na </a:t>
+            </a:r>
+            <a:r>
+              <a:rPr lang="en-US" dirty="0" err="1"/>
+              <a:t>telefonu</a:t>
+            </a:r>
+            <a:r>
+              <a:rPr lang="en-US" dirty="0"/>
+              <a:t> </a:t>
+            </a:r>
+            <a:r>
+              <a:rPr lang="en-US" dirty="0" err="1"/>
+              <a:t>ima</a:t>
+            </a:r>
+            <a:r>
+              <a:rPr lang="en-US" dirty="0"/>
+              <a:t> </a:t>
+            </a:r>
+            <a:r>
+              <a:rPr lang="en-US" dirty="0" err="1"/>
+              <a:t>vse</a:t>
+            </a:r>
+            <a:r>
+              <a:rPr lang="en-US" dirty="0"/>
+              <a:t> </a:t>
+            </a:r>
+            <a:r>
+              <a:rPr lang="en-US" dirty="0" err="1"/>
+              <a:t>aplikacije</a:t>
+            </a:r>
+            <a:r>
+              <a:rPr lang="en-US" dirty="0"/>
+              <a:t> </a:t>
+            </a:r>
+            <a:r>
+              <a:rPr lang="en-US" dirty="0" err="1"/>
+              <a:t>za</a:t>
+            </a:r>
+            <a:r>
+              <a:rPr lang="en-US" dirty="0"/>
+              <a:t> </a:t>
+            </a:r>
+            <a:r>
+              <a:rPr lang="en-US" dirty="0" err="1"/>
+              <a:t>produktivnost</a:t>
+            </a:r>
+            <a:r>
+              <a:rPr lang="en-US" dirty="0"/>
+              <a:t>,</a:t>
+            </a:r>
+            <a:r>
+              <a:rPr lang="en-US" dirty="0">
+                <a:solidFill>
+                  <a:srgbClr val="404040"/>
+                </a:solidFill>
+              </a:rPr>
+              <a:t> </a:t>
+            </a:r>
+            <a:r>
+              <a:rPr lang="en-US" dirty="0"/>
+              <a:t>in </a:t>
+            </a:r>
+            <a:r>
+              <a:rPr lang="en-US" dirty="0" err="1"/>
+              <a:t>si</a:t>
+            </a:r>
+            <a:r>
+              <a:rPr lang="en-US" dirty="0"/>
+              <a:t> </a:t>
+            </a:r>
+            <a:r>
+              <a:rPr lang="en-US" dirty="0" err="1"/>
+              <a:t>organizira</a:t>
+            </a:r>
+            <a:r>
+              <a:rPr lang="en-US" dirty="0"/>
+              <a:t> </a:t>
+            </a:r>
+            <a:r>
+              <a:rPr lang="en-US" dirty="0" err="1"/>
+              <a:t>vsak</a:t>
+            </a:r>
+            <a:r>
+              <a:rPr lang="en-US" dirty="0"/>
+              <a:t> </a:t>
+            </a:r>
+            <a:r>
+              <a:rPr lang="en-US" dirty="0" err="1"/>
+              <a:t>pomembnejši</a:t>
+            </a:r>
+            <a:r>
+              <a:rPr lang="en-US" dirty="0"/>
+              <a:t> </a:t>
+            </a:r>
+            <a:r>
+              <a:rPr lang="en-US" dirty="0" err="1"/>
+              <a:t>dogodek</a:t>
+            </a:r>
+            <a:r>
+              <a:rPr lang="en-US" dirty="0"/>
+              <a:t> v google </a:t>
+            </a:r>
+            <a:r>
+              <a:rPr lang="en-US" dirty="0" err="1"/>
+              <a:t>calender</a:t>
+            </a:r>
+            <a:r>
+              <a:rPr lang="en-US" dirty="0"/>
+              <a:t>, in v </a:t>
+            </a:r>
+            <a:r>
+              <a:rPr lang="en-US" dirty="0" err="1"/>
+              <a:t>todo</a:t>
+            </a:r>
+            <a:r>
+              <a:rPr lang="en-US" dirty="0"/>
+              <a:t> </a:t>
+            </a:r>
+            <a:r>
+              <a:rPr lang="en-US" dirty="0" err="1"/>
+              <a:t>liste</a:t>
+            </a:r>
+            <a:r>
+              <a:rPr lang="en-US" dirty="0"/>
+              <a:t>.</a:t>
+            </a:r>
+            <a:endParaRPr lang="en-US" dirty="0">
+              <a:solidFill>
+                <a:schemeClr val="tx1"/>
+              </a:solidFill>
+            </a:endParaRPr>
+          </a:p>
+          <a:p>
+            <a:r>
+              <a:rPr lang="en-US" dirty="0"/>
+              <a:t>Samo </a:t>
+            </a:r>
+            <a:r>
+              <a:rPr lang="en-US" dirty="0" err="1"/>
+              <a:t>Hočevar</a:t>
+            </a:r>
+            <a:r>
+              <a:rPr lang="en-US" dirty="0"/>
+              <a:t>, </a:t>
+            </a:r>
+            <a:r>
+              <a:rPr lang="en-US" dirty="0" err="1"/>
+              <a:t>je</a:t>
+            </a:r>
+            <a:r>
+              <a:rPr lang="en-US" dirty="0"/>
+              <a:t> 31 let star </a:t>
+            </a:r>
+            <a:r>
+              <a:rPr lang="en-US" dirty="0" err="1"/>
+              <a:t>oče</a:t>
+            </a:r>
+            <a:r>
+              <a:rPr lang="en-US" dirty="0"/>
+              <a:t>, </a:t>
+            </a:r>
+            <a:r>
+              <a:rPr lang="en-US" dirty="0" err="1"/>
+              <a:t>ki</a:t>
+            </a:r>
+            <a:r>
+              <a:rPr lang="en-US" dirty="0"/>
+              <a:t> </a:t>
+            </a:r>
+            <a:r>
+              <a:rPr lang="en-US" dirty="0" err="1"/>
+              <a:t>je</a:t>
+            </a:r>
+            <a:r>
+              <a:rPr lang="en-US" dirty="0"/>
+              <a:t> </a:t>
+            </a:r>
+            <a:r>
+              <a:rPr lang="en-US" dirty="0" err="1"/>
+              <a:t>zaposlen</a:t>
+            </a:r>
+            <a:r>
+              <a:rPr lang="en-US" dirty="0"/>
+              <a:t> v </a:t>
+            </a:r>
+            <a:r>
+              <a:rPr lang="en-US" dirty="0" err="1"/>
+              <a:t>področju</a:t>
+            </a:r>
+            <a:r>
+              <a:rPr lang="en-US" dirty="0"/>
+              <a:t> </a:t>
+            </a:r>
+            <a:r>
+              <a:rPr lang="en-US" dirty="0" err="1"/>
+              <a:t>informatike</a:t>
+            </a:r>
+            <a:r>
+              <a:rPr lang="en-US" dirty="0"/>
+              <a:t>.  </a:t>
+            </a:r>
+            <a:r>
+              <a:rPr lang="en-US" dirty="0" err="1"/>
+              <a:t>Živi</a:t>
+            </a:r>
+            <a:r>
+              <a:rPr lang="en-US" dirty="0"/>
+              <a:t> v </a:t>
+            </a:r>
+            <a:r>
+              <a:rPr lang="en-US" dirty="0" err="1"/>
+              <a:t>hiši</a:t>
+            </a:r>
+            <a:r>
+              <a:rPr lang="en-US" dirty="0"/>
+              <a:t> v </a:t>
+            </a:r>
+            <a:r>
+              <a:rPr lang="en-US" dirty="0" err="1"/>
+              <a:t>kraju</a:t>
+            </a:r>
+            <a:r>
+              <a:rPr lang="en-US" dirty="0"/>
+              <a:t> </a:t>
+            </a:r>
+            <a:r>
+              <a:rPr lang="en-US" dirty="0" err="1"/>
+              <a:t>izven</a:t>
+            </a:r>
+            <a:r>
+              <a:rPr lang="en-US" dirty="0"/>
+              <a:t> </a:t>
+            </a:r>
+            <a:r>
+              <a:rPr lang="en-US" dirty="0" err="1"/>
+              <a:t>Ljubljane</a:t>
+            </a:r>
+            <a:r>
+              <a:rPr lang="en-US" dirty="0"/>
+              <a:t>. </a:t>
+            </a:r>
+            <a:r>
+              <a:rPr lang="en-US" dirty="0" err="1"/>
+              <a:t>Zanima</a:t>
+            </a:r>
+            <a:r>
+              <a:rPr lang="en-US" dirty="0"/>
+              <a:t> </a:t>
+            </a:r>
+            <a:r>
+              <a:rPr lang="en-US" dirty="0" err="1"/>
+              <a:t>ga</a:t>
+            </a:r>
+            <a:r>
+              <a:rPr lang="en-US" dirty="0"/>
+              <a:t> </a:t>
+            </a:r>
+            <a:r>
+              <a:rPr lang="en-US" dirty="0" err="1"/>
+              <a:t>podrobno</a:t>
+            </a:r>
+            <a:r>
+              <a:rPr lang="en-US" dirty="0"/>
+              <a:t> </a:t>
+            </a:r>
+            <a:r>
+              <a:rPr lang="en-US" dirty="0" err="1"/>
+              <a:t>kako</a:t>
+            </a:r>
+            <a:r>
+              <a:rPr lang="en-US" dirty="0"/>
+              <a:t> </a:t>
+            </a:r>
+            <a:r>
+              <a:rPr lang="en-US" dirty="0" err="1"/>
+              <a:t>funkcionira</a:t>
+            </a:r>
+            <a:r>
+              <a:rPr lang="en-US" dirty="0"/>
+              <a:t> </a:t>
+            </a:r>
+            <a:r>
+              <a:rPr lang="en-US" dirty="0" err="1"/>
+              <a:t>vsaka</a:t>
+            </a:r>
+            <a:r>
+              <a:rPr lang="en-US" dirty="0"/>
+              <a:t> </a:t>
+            </a:r>
+            <a:r>
+              <a:rPr lang="en-US" dirty="0" err="1"/>
+              <a:t>tehnološka</a:t>
+            </a:r>
+            <a:r>
+              <a:rPr lang="en-US" dirty="0"/>
+              <a:t> </a:t>
+            </a:r>
+            <a:r>
+              <a:rPr lang="en-US" dirty="0" err="1"/>
+              <a:t>stvar</a:t>
+            </a:r>
+            <a:r>
+              <a:rPr lang="en-US" dirty="0"/>
+              <a:t> in </a:t>
+            </a:r>
+            <a:r>
+              <a:rPr lang="en-US" dirty="0" err="1"/>
+              <a:t>aplikacija</a:t>
+            </a:r>
+            <a:r>
+              <a:rPr lang="en-US" dirty="0"/>
+              <a:t>, in </a:t>
+            </a:r>
+            <a:r>
+              <a:rPr lang="en-US" dirty="0" err="1"/>
+              <a:t>je</a:t>
+            </a:r>
+            <a:r>
+              <a:rPr lang="en-US" dirty="0"/>
+              <a:t> </a:t>
+            </a:r>
+            <a:r>
+              <a:rPr lang="en-US" dirty="0" err="1"/>
+              <a:t>zelo</a:t>
+            </a:r>
+            <a:r>
+              <a:rPr lang="en-US" dirty="0"/>
+              <a:t> </a:t>
+            </a:r>
+            <a:r>
+              <a:rPr lang="en-US" dirty="0" err="1"/>
+              <a:t>navdušen</a:t>
+            </a:r>
+            <a:r>
+              <a:rPr lang="en-US" dirty="0"/>
+              <a:t> </a:t>
+            </a:r>
+            <a:r>
+              <a:rPr lang="en-US" dirty="0" err="1"/>
+              <a:t>nad</a:t>
+            </a:r>
+            <a:r>
+              <a:rPr lang="en-US" dirty="0"/>
+              <a:t> open source </a:t>
+            </a:r>
+            <a:r>
+              <a:rPr lang="en-US" dirty="0" err="1"/>
+              <a:t>rešitvami</a:t>
+            </a:r>
+            <a:r>
+              <a:rPr lang="en-US" dirty="0"/>
+              <a:t> in </a:t>
+            </a:r>
+            <a:r>
+              <a:rPr lang="en-US" dirty="0" err="1"/>
+              <a:t>programiranju</a:t>
+            </a:r>
+            <a:r>
+              <a:rPr lang="en-US" dirty="0"/>
+              <a:t>. </a:t>
+            </a:r>
+            <a:r>
+              <a:rPr lang="en-US" dirty="0" err="1"/>
+              <a:t>Za</a:t>
+            </a:r>
+            <a:r>
+              <a:rPr lang="en-US" dirty="0"/>
+              <a:t> </a:t>
+            </a:r>
+            <a:r>
+              <a:rPr lang="en-US" dirty="0" err="1"/>
+              <a:t>sina</a:t>
+            </a:r>
+            <a:r>
+              <a:rPr lang="en-US" dirty="0"/>
+              <a:t> </a:t>
+            </a:r>
+            <a:r>
+              <a:rPr lang="en-US" dirty="0" err="1"/>
+              <a:t>je</a:t>
+            </a:r>
+            <a:r>
+              <a:rPr lang="en-US" dirty="0"/>
+              <a:t> </a:t>
+            </a:r>
+            <a:r>
+              <a:rPr lang="en-US" dirty="0" err="1"/>
+              <a:t>prejšni</a:t>
+            </a:r>
+            <a:r>
+              <a:rPr lang="en-US" dirty="0"/>
+              <a:t> </a:t>
+            </a:r>
+            <a:r>
+              <a:rPr lang="en-US" dirty="0" err="1"/>
+              <a:t>božič</a:t>
+            </a:r>
+            <a:r>
+              <a:rPr lang="en-US" dirty="0"/>
+              <a:t> </a:t>
+            </a:r>
+            <a:r>
+              <a:rPr lang="en-US" dirty="0" err="1"/>
+              <a:t>kupil</a:t>
+            </a:r>
+            <a:r>
+              <a:rPr lang="en-US" dirty="0"/>
+              <a:t> iPad, </a:t>
+            </a:r>
+            <a:r>
+              <a:rPr lang="en-US" dirty="0" err="1"/>
+              <a:t>delno</a:t>
+            </a:r>
+            <a:r>
+              <a:rPr lang="en-US" dirty="0"/>
+              <a:t> pa </a:t>
+            </a:r>
+            <a:r>
+              <a:rPr lang="en-US" dirty="0" err="1"/>
+              <a:t>tudi</a:t>
+            </a:r>
+            <a:r>
+              <a:rPr lang="en-US" dirty="0"/>
+              <a:t> </a:t>
+            </a:r>
+            <a:r>
+              <a:rPr lang="en-US" dirty="0" err="1"/>
+              <a:t>za</a:t>
+            </a:r>
+            <a:r>
+              <a:rPr lang="en-US" dirty="0"/>
+              <a:t> </a:t>
+            </a:r>
+            <a:r>
+              <a:rPr lang="en-US" dirty="0" err="1"/>
+              <a:t>sebe</a:t>
+            </a:r>
+            <a:r>
+              <a:rPr lang="en-US" dirty="0"/>
+              <a:t> </a:t>
+            </a:r>
+            <a:r>
+              <a:rPr lang="en-US" dirty="0" err="1"/>
+              <a:t>ker</a:t>
+            </a:r>
+            <a:r>
+              <a:rPr lang="en-US" dirty="0"/>
+              <a:t> </a:t>
+            </a:r>
+            <a:r>
+              <a:rPr lang="en-US" dirty="0" err="1"/>
+              <a:t>je</a:t>
+            </a:r>
+            <a:r>
+              <a:rPr lang="en-US" dirty="0"/>
+              <a:t> to </a:t>
+            </a:r>
+            <a:r>
+              <a:rPr lang="en-US" dirty="0" err="1"/>
+              <a:t>bila</a:t>
+            </a:r>
+            <a:r>
+              <a:rPr lang="en-US" dirty="0"/>
+              <a:t> </a:t>
+            </a:r>
+            <a:r>
+              <a:rPr lang="en-US" dirty="0" err="1"/>
+              <a:t>zanj</a:t>
+            </a:r>
+            <a:r>
+              <a:rPr lang="en-US" dirty="0"/>
+              <a:t> </a:t>
+            </a:r>
+            <a:r>
+              <a:rPr lang="en-US" dirty="0" err="1"/>
+              <a:t>prva</a:t>
+            </a:r>
+            <a:r>
+              <a:rPr lang="en-US" dirty="0"/>
+              <a:t> </a:t>
+            </a:r>
+            <a:r>
+              <a:rPr lang="en-US" dirty="0" err="1"/>
+              <a:t>tablica</a:t>
+            </a:r>
+            <a:r>
+              <a:rPr lang="en-US" dirty="0"/>
+              <a:t>.</a:t>
+            </a:r>
+          </a:p>
+          <a:p>
+            <a:r>
+              <a:rPr lang="en-US" dirty="0">
+                <a:solidFill>
+                  <a:srgbClr val="404040"/>
+                </a:solidFill>
+              </a:rPr>
+              <a:t>Aleks </a:t>
+            </a:r>
+            <a:r>
+              <a:rPr lang="en-US" dirty="0" err="1">
+                <a:solidFill>
+                  <a:srgbClr val="404040"/>
+                </a:solidFill>
+              </a:rPr>
+              <a:t>Kovač</a:t>
+            </a:r>
+            <a:r>
+              <a:rPr lang="en-US" dirty="0">
+                <a:solidFill>
+                  <a:srgbClr val="404040"/>
+                </a:solidFill>
+              </a:rPr>
+              <a:t>, </a:t>
+            </a:r>
+            <a:r>
+              <a:rPr lang="en-US" dirty="0" err="1">
+                <a:solidFill>
+                  <a:srgbClr val="404040"/>
+                </a:solidFill>
+              </a:rPr>
+              <a:t>je</a:t>
+            </a:r>
+            <a:r>
+              <a:rPr lang="en-US" dirty="0">
+                <a:solidFill>
+                  <a:srgbClr val="404040"/>
+                </a:solidFill>
+              </a:rPr>
+              <a:t> 26 let star </a:t>
+            </a:r>
+            <a:r>
+              <a:rPr lang="en-US" dirty="0" err="1">
+                <a:solidFill>
+                  <a:srgbClr val="404040"/>
+                </a:solidFill>
+              </a:rPr>
+              <a:t>ustanovitelj</a:t>
+            </a:r>
+            <a:r>
+              <a:rPr lang="en-US" dirty="0">
+                <a:solidFill>
+                  <a:srgbClr val="404040"/>
+                </a:solidFill>
+              </a:rPr>
+              <a:t> </a:t>
+            </a:r>
+            <a:r>
+              <a:rPr lang="en-US" dirty="0" err="1">
+                <a:solidFill>
+                  <a:srgbClr val="404040"/>
+                </a:solidFill>
+              </a:rPr>
+              <a:t>startupa</a:t>
+            </a:r>
+            <a:r>
+              <a:rPr lang="en-US" dirty="0">
+                <a:solidFill>
+                  <a:srgbClr val="404040"/>
+                </a:solidFill>
+              </a:rPr>
+              <a:t>, </a:t>
+            </a:r>
+            <a:r>
+              <a:rPr lang="en-US" dirty="0" err="1">
+                <a:solidFill>
+                  <a:srgbClr val="404040"/>
+                </a:solidFill>
+              </a:rPr>
+              <a:t>pri</a:t>
+            </a:r>
+            <a:r>
+              <a:rPr lang="en-US" dirty="0">
+                <a:solidFill>
+                  <a:srgbClr val="404040"/>
+                </a:solidFill>
+              </a:rPr>
+              <a:t> 19 mu </a:t>
+            </a:r>
+            <a:r>
+              <a:rPr lang="en-US" dirty="0" err="1">
+                <a:solidFill>
+                  <a:srgbClr val="404040"/>
+                </a:solidFill>
+              </a:rPr>
+              <a:t>je</a:t>
+            </a:r>
+            <a:r>
+              <a:rPr lang="en-US" dirty="0">
+                <a:solidFill>
+                  <a:srgbClr val="404040"/>
+                </a:solidFill>
+              </a:rPr>
+              <a:t> </a:t>
+            </a:r>
+            <a:r>
+              <a:rPr lang="en-US" dirty="0" err="1">
+                <a:solidFill>
+                  <a:srgbClr val="404040"/>
+                </a:solidFill>
+              </a:rPr>
+              <a:t>že</a:t>
+            </a:r>
+            <a:r>
+              <a:rPr lang="en-US" dirty="0">
+                <a:solidFill>
+                  <a:srgbClr val="404040"/>
+                </a:solidFill>
+              </a:rPr>
+              <a:t> </a:t>
+            </a:r>
+            <a:r>
+              <a:rPr lang="en-US" dirty="0" err="1">
+                <a:solidFill>
+                  <a:srgbClr val="404040"/>
+                </a:solidFill>
+              </a:rPr>
+              <a:t>uspelo</a:t>
+            </a:r>
+            <a:r>
+              <a:rPr lang="en-US" dirty="0">
+                <a:solidFill>
+                  <a:srgbClr val="404040"/>
+                </a:solidFill>
+              </a:rPr>
+              <a:t> </a:t>
+            </a:r>
+            <a:r>
+              <a:rPr lang="en-US" dirty="0" err="1">
+                <a:solidFill>
+                  <a:srgbClr val="404040"/>
+                </a:solidFill>
+              </a:rPr>
+              <a:t>sprogramirati</a:t>
+            </a:r>
+            <a:r>
+              <a:rPr lang="en-US" dirty="0">
+                <a:solidFill>
+                  <a:srgbClr val="404040"/>
+                </a:solidFill>
+              </a:rPr>
+              <a:t> </a:t>
+            </a:r>
+            <a:r>
+              <a:rPr lang="en-US" dirty="0" err="1">
+                <a:solidFill>
+                  <a:srgbClr val="404040"/>
+                </a:solidFill>
+              </a:rPr>
+              <a:t>prvo</a:t>
+            </a:r>
+            <a:r>
+              <a:rPr lang="en-US" dirty="0">
+                <a:solidFill>
+                  <a:srgbClr val="404040"/>
+                </a:solidFill>
+              </a:rPr>
+              <a:t> </a:t>
+            </a:r>
+            <a:r>
+              <a:rPr lang="en-US" dirty="0" err="1">
+                <a:solidFill>
+                  <a:srgbClr val="404040"/>
+                </a:solidFill>
+              </a:rPr>
+              <a:t>igro</a:t>
+            </a:r>
+            <a:r>
+              <a:rPr lang="en-US" dirty="0">
+                <a:solidFill>
+                  <a:srgbClr val="404040"/>
+                </a:solidFill>
+              </a:rPr>
+              <a:t>, </a:t>
+            </a:r>
+            <a:r>
+              <a:rPr lang="en-US" dirty="0" err="1">
+                <a:solidFill>
+                  <a:srgbClr val="404040"/>
+                </a:solidFill>
+              </a:rPr>
+              <a:t>za</a:t>
+            </a:r>
+            <a:r>
+              <a:rPr lang="en-US" dirty="0">
+                <a:solidFill>
+                  <a:srgbClr val="404040"/>
+                </a:solidFill>
+              </a:rPr>
+              <a:t> google play store in app store, </a:t>
+            </a:r>
+            <a:r>
+              <a:rPr lang="en-US" dirty="0" err="1">
+                <a:solidFill>
+                  <a:srgbClr val="404040"/>
+                </a:solidFill>
+              </a:rPr>
+              <a:t>pri</a:t>
+            </a:r>
+            <a:r>
+              <a:rPr lang="en-US" dirty="0">
+                <a:solidFill>
+                  <a:srgbClr val="404040"/>
+                </a:solidFill>
+              </a:rPr>
+              <a:t> 23 pa </a:t>
+            </a:r>
+            <a:r>
+              <a:rPr lang="en-US" dirty="0" err="1">
+                <a:solidFill>
+                  <a:srgbClr val="404040"/>
+                </a:solidFill>
+              </a:rPr>
+              <a:t>je</a:t>
+            </a:r>
+            <a:r>
+              <a:rPr lang="en-US" dirty="0">
+                <a:solidFill>
+                  <a:srgbClr val="404040"/>
+                </a:solidFill>
+              </a:rPr>
+              <a:t> s </a:t>
+            </a:r>
+            <a:r>
+              <a:rPr lang="en-US" dirty="0" err="1">
+                <a:solidFill>
+                  <a:srgbClr val="404040"/>
+                </a:solidFill>
+              </a:rPr>
+              <a:t>prijatelji</a:t>
+            </a:r>
+            <a:r>
+              <a:rPr lang="en-US" dirty="0">
+                <a:solidFill>
+                  <a:srgbClr val="404040"/>
+                </a:solidFill>
+              </a:rPr>
+              <a:t> </a:t>
+            </a:r>
+            <a:r>
+              <a:rPr lang="en-US" dirty="0" err="1">
+                <a:solidFill>
+                  <a:srgbClr val="404040"/>
+                </a:solidFill>
+              </a:rPr>
+              <a:t>naredil</a:t>
+            </a:r>
+            <a:r>
+              <a:rPr lang="en-US" dirty="0">
+                <a:solidFill>
+                  <a:srgbClr val="404040"/>
+                </a:solidFill>
+              </a:rPr>
+              <a:t> </a:t>
+            </a:r>
+            <a:r>
+              <a:rPr lang="en-US" dirty="0" err="1">
+                <a:solidFill>
+                  <a:srgbClr val="404040"/>
+                </a:solidFill>
+              </a:rPr>
+              <a:t>aplikacijo</a:t>
+            </a:r>
+            <a:r>
+              <a:rPr lang="en-US" dirty="0">
+                <a:solidFill>
+                  <a:srgbClr val="404040"/>
+                </a:solidFill>
+              </a:rPr>
+              <a:t>, </a:t>
+            </a:r>
+            <a:r>
+              <a:rPr lang="en-US" dirty="0" err="1">
+                <a:solidFill>
+                  <a:srgbClr val="404040"/>
+                </a:solidFill>
+              </a:rPr>
+              <a:t>ki</a:t>
+            </a:r>
+            <a:r>
+              <a:rPr lang="en-US" dirty="0">
+                <a:solidFill>
+                  <a:srgbClr val="404040"/>
+                </a:solidFill>
+              </a:rPr>
+              <a:t> </a:t>
+            </a:r>
+            <a:r>
+              <a:rPr lang="en-US" dirty="0" err="1">
+                <a:solidFill>
+                  <a:srgbClr val="404040"/>
+                </a:solidFill>
+              </a:rPr>
+              <a:t>je</a:t>
+            </a:r>
+            <a:r>
+              <a:rPr lang="en-US" dirty="0">
+                <a:solidFill>
+                  <a:srgbClr val="404040"/>
+                </a:solidFill>
+              </a:rPr>
+              <a:t> </a:t>
+            </a:r>
+            <a:r>
+              <a:rPr lang="en-US" dirty="0" err="1">
+                <a:solidFill>
+                  <a:srgbClr val="404040"/>
+                </a:solidFill>
+              </a:rPr>
+              <a:t>čez</a:t>
+            </a:r>
+            <a:r>
+              <a:rPr lang="en-US" dirty="0">
+                <a:solidFill>
+                  <a:srgbClr val="404040"/>
+                </a:solidFill>
+              </a:rPr>
+              <a:t> </a:t>
+            </a:r>
+            <a:r>
+              <a:rPr lang="en-US" dirty="0" err="1">
+                <a:solidFill>
+                  <a:srgbClr val="404040"/>
+                </a:solidFill>
+              </a:rPr>
+              <a:t>noč</a:t>
+            </a:r>
+            <a:r>
+              <a:rPr lang="en-US" dirty="0">
+                <a:solidFill>
+                  <a:srgbClr val="404040"/>
+                </a:solidFill>
+              </a:rPr>
+              <a:t> </a:t>
+            </a:r>
+            <a:r>
+              <a:rPr lang="en-US" dirty="0" err="1">
+                <a:solidFill>
+                  <a:srgbClr val="404040"/>
+                </a:solidFill>
+              </a:rPr>
+              <a:t>postala</a:t>
+            </a:r>
+            <a:r>
+              <a:rPr lang="en-US" dirty="0">
+                <a:solidFill>
+                  <a:srgbClr val="404040"/>
+                </a:solidFill>
+              </a:rPr>
+              <a:t> </a:t>
+            </a:r>
+            <a:r>
+              <a:rPr lang="en-US" dirty="0" err="1">
+                <a:solidFill>
+                  <a:srgbClr val="404040"/>
+                </a:solidFill>
+              </a:rPr>
+              <a:t>uspeh</a:t>
+            </a:r>
+            <a:r>
+              <a:rPr lang="en-US" dirty="0">
+                <a:solidFill>
+                  <a:srgbClr val="404040"/>
+                </a:solidFill>
+              </a:rPr>
+              <a:t> </a:t>
+            </a:r>
+            <a:r>
+              <a:rPr lang="en-US" dirty="0" err="1">
+                <a:solidFill>
+                  <a:srgbClr val="404040"/>
+                </a:solidFill>
+              </a:rPr>
+              <a:t>na</a:t>
+            </a:r>
+            <a:r>
+              <a:rPr lang="en-US" dirty="0">
+                <a:solidFill>
+                  <a:srgbClr val="404040"/>
+                </a:solidFill>
+              </a:rPr>
+              <a:t> google play </a:t>
+            </a:r>
+            <a:r>
+              <a:rPr lang="en-US" dirty="0" err="1">
+                <a:solidFill>
+                  <a:srgbClr val="404040"/>
+                </a:solidFill>
+              </a:rPr>
+              <a:t>storu</a:t>
+            </a:r>
+            <a:r>
+              <a:rPr lang="en-US" dirty="0">
+                <a:solidFill>
+                  <a:srgbClr val="404040"/>
+                </a:solidFill>
+              </a:rPr>
+              <a:t> in app </a:t>
+            </a:r>
+            <a:r>
+              <a:rPr lang="en-US" dirty="0" err="1">
+                <a:solidFill>
+                  <a:srgbClr val="404040"/>
+                </a:solidFill>
+              </a:rPr>
+              <a:t>storu</a:t>
+            </a:r>
+            <a:r>
+              <a:rPr lang="en-US" dirty="0">
+                <a:solidFill>
+                  <a:srgbClr val="404040"/>
+                </a:solidFill>
+              </a:rPr>
+              <a:t>. Ima </a:t>
+            </a:r>
+            <a:r>
+              <a:rPr lang="en-US" dirty="0" err="1">
+                <a:solidFill>
+                  <a:srgbClr val="404040"/>
+                </a:solidFill>
+              </a:rPr>
+              <a:t>veliko</a:t>
+            </a:r>
+            <a:r>
+              <a:rPr lang="en-US" dirty="0">
+                <a:solidFill>
+                  <a:srgbClr val="404040"/>
+                </a:solidFill>
+              </a:rPr>
+              <a:t> </a:t>
+            </a:r>
+            <a:r>
+              <a:rPr lang="en-US" dirty="0" err="1">
+                <a:solidFill>
+                  <a:srgbClr val="404040"/>
+                </a:solidFill>
+              </a:rPr>
+              <a:t>denarja</a:t>
+            </a:r>
+            <a:r>
+              <a:rPr lang="en-US" dirty="0">
+                <a:solidFill>
+                  <a:srgbClr val="404040"/>
+                </a:solidFill>
+              </a:rPr>
+              <a:t> in </a:t>
+            </a:r>
+            <a:r>
+              <a:rPr lang="en-US" dirty="0" err="1">
+                <a:solidFill>
+                  <a:srgbClr val="404040"/>
+                </a:solidFill>
+              </a:rPr>
+              <a:t>živi</a:t>
+            </a:r>
+            <a:r>
+              <a:rPr lang="en-US" dirty="0">
+                <a:solidFill>
+                  <a:srgbClr val="404040"/>
+                </a:solidFill>
+              </a:rPr>
+              <a:t> v </a:t>
+            </a:r>
+            <a:r>
+              <a:rPr lang="en-US" dirty="0" err="1">
+                <a:solidFill>
+                  <a:srgbClr val="404040"/>
+                </a:solidFill>
+              </a:rPr>
+              <a:t>veliki</a:t>
+            </a:r>
+            <a:r>
+              <a:rPr lang="en-US" dirty="0">
+                <a:solidFill>
+                  <a:srgbClr val="404040"/>
+                </a:solidFill>
+              </a:rPr>
+              <a:t> </a:t>
+            </a:r>
+            <a:r>
+              <a:rPr lang="en-US" dirty="0" err="1">
+                <a:solidFill>
+                  <a:srgbClr val="404040"/>
+                </a:solidFill>
+              </a:rPr>
+              <a:t>razkošni</a:t>
+            </a:r>
+            <a:r>
+              <a:rPr lang="en-US" dirty="0">
+                <a:solidFill>
+                  <a:srgbClr val="404040"/>
+                </a:solidFill>
+              </a:rPr>
+              <a:t> </a:t>
+            </a:r>
+            <a:r>
+              <a:rPr lang="en-US" dirty="0" err="1">
+                <a:solidFill>
+                  <a:srgbClr val="404040"/>
+                </a:solidFill>
+              </a:rPr>
+              <a:t>hiši</a:t>
+            </a:r>
+            <a:r>
+              <a:rPr lang="en-US" dirty="0">
+                <a:solidFill>
+                  <a:srgbClr val="404040"/>
+                </a:solidFill>
+              </a:rPr>
+              <a:t>.</a:t>
+            </a:r>
+            <a:endParaRPr lang="en-US" dirty="0">
+              <a:solidFill>
+                <a:schemeClr val="tx1"/>
+              </a:solidFill>
+            </a:endParaRPr>
+          </a:p>
+        </p:txBody>
+      </p:sp>
+    </p:spTree>
+    <p:extLst>
+      <p:ext uri="{BB962C8B-B14F-4D97-AF65-F5344CB8AC3E}">
+        <p14:creationId xmlns:p14="http://schemas.microsoft.com/office/powerpoint/2010/main" val="56976675"/>
+      </p:ext>
+    </p:extLst>
+  </p:cSld>
+  <p:clrMapOvr>
+    <a:masterClrMapping/>
+  </p:clrMapOvr>
+</p:sld>
+</file>
+
+<file path=ppt/slides/slide9.xml><?xml version="1.0" encoding="utf-8"?>
+<p:sld xmlns:a="http://schemas.openxmlformats.org/drawingml/2006/main" xmlns:r="http://schemas.openxmlformats.org/officeDocument/2006/relationships" xmlns:p="http://schemas.openxmlformats.org/presentationml/2006/main">
+  <p:cSld>
+    <p:spTree>
+      <p:nvGrpSpPr>
+        <p:cNvPr id="1" name=""/>
+        <p:cNvGrpSpPr/>
+        <p:nvPr/>
+      </p:nvGrpSpPr>
+      <p:grpSpPr>
+        <a:xfrm>
+          <a:off x="0" y="0"/>
+          <a:ext cx="0" cy="0"/>
+          <a:chOff x="0" y="0"/>
+          <a:chExt cx="0" cy="0"/>
+        </a:xfrm>
+      </p:grpSpPr>
+      <p:sp>
+        <p:nvSpPr>
+          <p:cNvPr id="2" name="Title 1">
+            <a:extLst>
+              <a:ext uri="{FF2B5EF4-FFF2-40B4-BE49-F238E27FC236}">
                 <a16:creationId xmlns:a16="http://schemas.microsoft.com/office/drawing/2014/main" id="{9D77751C-5CA1-4F8B-8AFC-9E56D989D073}"/>
               </a:ext>
             </a:extLst>
@@ -8787,7 +8956,7 @@
             <p:ph idx="1"/>
             <p:extLst>
               <p:ext uri="{D42A27DB-BD31-4B8C-83A1-F6EECF244321}">
-                <p14:modId xmlns:p14="http://schemas.microsoft.com/office/powerpoint/2010/main" val="1643298132"/>
+                <p14:modId xmlns:p14="http://schemas.microsoft.com/office/powerpoint/2010/main" val="2121587676"/>
               </p:ext>
             </p:extLst>
           </p:nvPr>
@@ -8931,6 +9100,40 @@
                     <a:p>
                       <a:r>
                         <a:rPr lang="en-US" dirty="0" err="1"/>
+                        <a:t>Magicmirror</a:t>
+                      </a:r>
+                      <a:endParaRPr lang="sl-SI" dirty="0"/>
+                    </a:p>
+                  </a:txBody>
+                  <a:tcPr/>
+                </a:tc>
+                <a:tc>
+                  <a:txBody>
+                    <a:bodyPr/>
+                    <a:lstStyle/>
+                    <a:p>
+                      <a:r>
+                        <a:rPr lang="sl-SI" dirty="0"/>
+                        <a:t>Trgovine</a:t>
+                      </a:r>
+                    </a:p>
+                  </a:txBody>
+                  <a:tcPr/>
+                </a:tc>
+                <a:extLst>
+                  <a:ext uri="{0D108BD9-81ED-4DB2-BD59-A6C34878D82A}">
+                    <a16:rowId xmlns:a16="http://schemas.microsoft.com/office/drawing/2014/main" val="31094192"/>
+                  </a:ext>
+                </a:extLst>
+              </a:tr>
+              <a:tr h="370840">
+                <a:tc>
+                  <a:txBody>
+                    <a:bodyPr/>
+                    <a:lstStyle/>
+                    <a:p>
+                      <a:r>
+                        <a:rPr lang="en-US" dirty="0" err="1"/>
                         <a:t>Evervuetv</a:t>
                       </a:r>
                       <a:endParaRPr lang="sl-SI" dirty="0"/>
@@ -8998,40 +9201,6 @@
                     <a:lstStyle/>
                     <a:p>
                       <a:r>
-                        <a:rPr lang="en-US" dirty="0" err="1"/>
-                        <a:t>Magicmirror</a:t>
-                      </a:r>
-                      <a:endParaRPr lang="sl-SI" dirty="0"/>
-                    </a:p>
-                  </a:txBody>
-                  <a:tcPr/>
-                </a:tc>
-                <a:tc>
-                  <a:txBody>
-                    <a:bodyPr/>
-                    <a:lstStyle/>
-                    <a:p>
-                      <a:r>
-                        <a:rPr lang="sl-SI" dirty="0"/>
-                        <a:t>Trgovine</a:t>
-                      </a:r>
-                    </a:p>
-                  </a:txBody>
-                  <a:tcPr/>
-                </a:tc>
-                <a:extLst>
-                  <a:ext uri="{0D108BD9-81ED-4DB2-BD59-A6C34878D82A}">
-                    <a16:rowId xmlns:a16="http://schemas.microsoft.com/office/drawing/2014/main" val="233869938"/>
-                  </a:ext>
-                </a:extLst>
-              </a:tr>
-              <a:tr h="370840">
-                <a:tc>
-                  <a:txBody>
-                    <a:bodyPr/>
-                    <a:lstStyle/>
-                    <a:p>
-                      <a:r>
                         <a:rPr lang="sl-SI" dirty="0"/>
                         <a:t>Naš produkt</a:t>
                       </a:r>
@@ -9066,187 +9235,6 @@
     <p:extLst>
       <p:ext uri="{BB962C8B-B14F-4D97-AF65-F5344CB8AC3E}">
         <p14:creationId xmlns:p14="http://schemas.microsoft.com/office/powerpoint/2010/main" val="1153186485"/>
-      </p:ext>
-    </p:extLst>
-  </p:cSld>
-  <p:clrMapOvr>
-    <a:masterClrMapping/>
-  </p:clrMapOvr>
-</p:sld>
-</file>
-
-<file path=ppt/slides/slide9.xml><?xml version="1.0" encoding="utf-8"?>
-<p:sld xmlns:a="http://schemas.openxmlformats.org/drawingml/2006/main" xmlns:r="http://schemas.openxmlformats.org/officeDocument/2006/relationships" xmlns:p="http://schemas.openxmlformats.org/presentationml/2006/main">
-  <p:cSld>
-    <p:spTree>
-      <p:nvGrpSpPr>
-        <p:cNvPr id="1" name=""/>
-        <p:cNvGrpSpPr/>
-        <p:nvPr/>
-      </p:nvGrpSpPr>
-      <p:grpSpPr>
-        <a:xfrm>
-          <a:off x="0" y="0"/>
-          <a:ext cx="0" cy="0"/>
-          <a:chOff x="0" y="0"/>
-          <a:chExt cx="0" cy="0"/>
-        </a:xfrm>
-      </p:grpSpPr>
-      <p:sp>
-        <p:nvSpPr>
-          <p:cNvPr id="2" name="Title 1">
-            <a:extLst>
-              <a:ext uri="{FF2B5EF4-FFF2-40B4-BE49-F238E27FC236}">
-                <a16:creationId xmlns:a16="http://schemas.microsoft.com/office/drawing/2014/main" id="{9E280A7D-70F3-46CD-BDF2-F95B893220ED}"/>
-              </a:ext>
-            </a:extLst>
-          </p:cNvPr>
-          <p:cNvSpPr>
-            <a:spLocks noGrp="1"/>
-          </p:cNvSpPr>
-          <p:nvPr>
-            <p:ph type="title"/>
-          </p:nvPr>
-        </p:nvSpPr>
-        <p:spPr/>
-        <p:txBody>
-          <a:bodyPr/>
-          <a:lstStyle/>
-          <a:p>
-            <a:r>
-              <a:rPr lang="sl-SI" dirty="0"/>
-              <a:t>Plani</a:t>
-            </a:r>
-          </a:p>
-        </p:txBody>
-      </p:sp>
-      <p:sp>
-        <p:nvSpPr>
-          <p:cNvPr id="3" name="Content Placeholder 2">
-            <a:extLst>
-              <a:ext uri="{FF2B5EF4-FFF2-40B4-BE49-F238E27FC236}">
-                <a16:creationId xmlns:a16="http://schemas.microsoft.com/office/drawing/2014/main" id="{DAB977AC-4ACE-41B1-B45F-F6F05E4D1DD2}"/>
-              </a:ext>
-            </a:extLst>
-          </p:cNvPr>
-          <p:cNvSpPr>
-            <a:spLocks noGrp="1"/>
-          </p:cNvSpPr>
-          <p:nvPr>
-            <p:ph idx="1"/>
-          </p:nvPr>
-        </p:nvSpPr>
-        <p:spPr/>
-        <p:txBody>
-          <a:bodyPr>
-            <a:normAutofit/>
-          </a:bodyPr>
-          <a:lstStyle/>
-          <a:p>
-            <a:r>
-              <a:rPr lang="sl-SI" dirty="0"/>
-              <a:t>Do sredine decembra</a:t>
-            </a:r>
-          </a:p>
-          <a:p>
-            <a:pPr lvl="1"/>
-            <a:r>
-              <a:rPr lang="sl-SI" dirty="0"/>
-              <a:t>Prepoznavanje obraza</a:t>
-            </a:r>
-          </a:p>
-          <a:p>
-            <a:pPr lvl="1"/>
-            <a:r>
-              <a:rPr lang="sl-SI" dirty="0"/>
-              <a:t>Pridobivanje podatkov iz spleta</a:t>
-            </a:r>
-          </a:p>
-          <a:p>
-            <a:pPr lvl="1"/>
-            <a:r>
-              <a:rPr lang="sl-SI" dirty="0"/>
-              <a:t>Izpis podatkov</a:t>
-            </a:r>
-          </a:p>
-          <a:p>
-            <a:pPr lvl="1"/>
-            <a:endParaRPr lang="sl-SI" dirty="0"/>
-          </a:p>
-          <a:p>
-            <a:r>
-              <a:rPr lang="sl-SI" dirty="0"/>
-              <a:t>Do sredine januarja</a:t>
-            </a:r>
-          </a:p>
-          <a:p>
-            <a:pPr lvl="1"/>
-            <a:r>
-              <a:rPr lang="sl-SI" dirty="0"/>
-              <a:t>Sestavljen produkt (okvir, steklo)</a:t>
-            </a:r>
-          </a:p>
-          <a:p>
-            <a:pPr lvl="1"/>
-            <a:r>
-              <a:rPr lang="sl-SI" dirty="0"/>
-              <a:t>Združitev tehnologij</a:t>
-            </a:r>
-          </a:p>
-          <a:p>
-            <a:pPr lvl="1"/>
-            <a:r>
-              <a:rPr lang="sl-SI" dirty="0"/>
-              <a:t>Prepoznavanje gest (rok)</a:t>
-            </a:r>
-          </a:p>
-        </p:txBody>
-      </p:sp>
-      <p:pic>
-        <p:nvPicPr>
-          <p:cNvPr id="4100" name="Picture 4" descr="http://www.learnthe4ps.com/wp-content/uploads/2013/09/future-plan2.png"/>
-          <p:cNvPicPr>
-            <a:picLocks noChangeAspect="1" noChangeArrowheads="1"/>
-          </p:cNvPicPr>
-          <p:nvPr/>
-        </p:nvPicPr>
-        <p:blipFill>
-          <a:blip r:embed="rId2">
-            <a:extLst>
-              <a:ext uri="{28A0092B-C50C-407E-A947-70E740481C1C}">
-                <a14:useLocalDpi xmlns:a14="http://schemas.microsoft.com/office/drawing/2010/main" val="0"/>
-              </a:ext>
-            </a:extLst>
-          </a:blip>
-          <a:srcRect/>
-          <a:stretch>
-            <a:fillRect/>
-          </a:stretch>
-        </p:blipFill>
-        <p:spPr bwMode="auto">
-          <a:xfrm>
-            <a:off x="5468981" y="2710249"/>
-            <a:ext cx="3057141" cy="2289906"/>
-          </a:xfrm>
-          <a:prstGeom prst="rect">
-            <a:avLst/>
-          </a:prstGeom>
-          <a:noFill/>
-          <a:extLst>
-            <a:ext uri="{909E8E84-426E-40DD-AFC4-6F175D3DCCD1}">
-              <a14:hiddenFill xmlns:a14="http://schemas.microsoft.com/office/drawing/2010/main">
-                <a:solidFill>
-                  <a:srgbClr val="FFFFFF"/>
-                </a:solidFill>
-              </a14:hiddenFill>
-            </a:ext>
-          </a:extLst>
-        </p:spPr>
-      </p:pic>
-    </p:spTree>
-    <p:extLst>
-      <p:ext uri="{BB962C8B-B14F-4D97-AF65-F5344CB8AC3E}">
-        <p14:creationId xmlns:p14="http://schemas.microsoft.com/office/powerpoint/2010/main" val="1958084085"/>
       </p:ext>
     </p:extLst>
   </p:cSld>

--- a/MAGIC-MIRROR_v4.pptx
+++ b/MAGIC-MIRROR_v4.pptx
@@ -7741,7 +7741,7 @@
         <p:spPr/>
         <p:txBody>
           <a:bodyPr vert="horz" lIns="91440" tIns="45720" rIns="91440" bIns="45720" rtlCol="0" anchor="t">
-            <a:normAutofit lnSpcReduction="10000"/>
+            <a:normAutofit/>
           </a:bodyPr>
           <a:lstStyle/>
           <a:p>
@@ -7751,1128 +7751,21 @@
             </a:r>
             <a:r>
               <a:rPr lang="en-US" dirty="0"/>
-              <a:t> Novak, </a:t>
-            </a:r>
-            <a:r>
-              <a:rPr lang="en-US" dirty="0" err="1"/>
-              <a:t>je</a:t>
-            </a:r>
-            <a:r>
-              <a:rPr lang="en-US" dirty="0"/>
-              <a:t> 24 let star web designer, </a:t>
-            </a:r>
-            <a:r>
-              <a:rPr lang="en-US" dirty="0" err="1"/>
-              <a:t>živi</a:t>
-            </a:r>
-            <a:r>
-              <a:rPr lang="en-US" dirty="0"/>
-              <a:t> v </a:t>
-            </a:r>
-            <a:r>
-              <a:rPr lang="en-US" dirty="0" err="1"/>
-              <a:t>bloku</a:t>
-            </a:r>
-            <a:r>
-              <a:rPr lang="en-US" dirty="0"/>
-              <a:t> v </a:t>
-            </a:r>
-            <a:r>
-              <a:rPr lang="en-US" dirty="0" err="1"/>
-              <a:t>Ljubljani</a:t>
-            </a:r>
-            <a:r>
-              <a:rPr lang="en-US" dirty="0"/>
-              <a:t>. </a:t>
-            </a:r>
-            <a:r>
-              <a:rPr lang="en-US" dirty="0" err="1"/>
-              <a:t>Zelo</a:t>
-            </a:r>
-            <a:r>
-              <a:rPr lang="en-US" dirty="0"/>
-              <a:t> </a:t>
-            </a:r>
-            <a:r>
-              <a:rPr lang="en-US" dirty="0" err="1"/>
-              <a:t>ga</a:t>
-            </a:r>
-            <a:r>
-              <a:rPr lang="en-US" dirty="0"/>
-              <a:t> </a:t>
-            </a:r>
-            <a:r>
-              <a:rPr lang="en-US" dirty="0" err="1"/>
-              <a:t>zanima</a:t>
-            </a:r>
-            <a:r>
-              <a:rPr lang="en-US" dirty="0"/>
-              <a:t> </a:t>
-            </a:r>
-            <a:r>
-              <a:rPr lang="en-US" dirty="0" err="1"/>
-              <a:t>področje</a:t>
-            </a:r>
-            <a:r>
-              <a:rPr lang="en-US" dirty="0"/>
-              <a:t> </a:t>
-            </a:r>
-            <a:r>
-              <a:rPr lang="en-US" dirty="0" err="1"/>
-              <a:t>tehnologije</a:t>
-            </a:r>
-            <a:r>
-              <a:rPr lang="en-US" dirty="0"/>
-              <a:t> in </a:t>
-            </a:r>
-            <a:r>
-              <a:rPr lang="en-US" dirty="0" err="1"/>
-              <a:t>vsako</a:t>
-            </a:r>
-            <a:r>
-              <a:rPr lang="en-US" dirty="0"/>
-              <a:t> </a:t>
-            </a:r>
-            <a:r>
-              <a:rPr lang="en-US" dirty="0" err="1"/>
-              <a:t>leto</a:t>
-            </a:r>
-            <a:r>
-              <a:rPr lang="en-US" dirty="0"/>
-              <a:t> </a:t>
-            </a:r>
-            <a:r>
-              <a:rPr lang="en-US" dirty="0" err="1"/>
-              <a:t>kupi</a:t>
-            </a:r>
-            <a:r>
-              <a:rPr lang="en-US" dirty="0"/>
-              <a:t> </a:t>
-            </a:r>
-            <a:r>
-              <a:rPr lang="en-US" dirty="0" err="1"/>
-              <a:t>najnovejši</a:t>
-            </a:r>
-            <a:r>
-              <a:rPr lang="en-US" dirty="0"/>
-              <a:t> </a:t>
-            </a:r>
-            <a:r>
-              <a:rPr lang="en-US" dirty="0" err="1"/>
-              <a:t>telefon</a:t>
-            </a:r>
-            <a:r>
-              <a:rPr lang="en-US" dirty="0"/>
-              <a:t>. Na </a:t>
-            </a:r>
-            <a:r>
-              <a:rPr lang="en-US" dirty="0" err="1"/>
-              <a:t>telefonu</a:t>
-            </a:r>
-            <a:r>
-              <a:rPr lang="en-US" dirty="0"/>
-              <a:t> </a:t>
-            </a:r>
-            <a:r>
-              <a:rPr lang="en-US" dirty="0" err="1"/>
-              <a:t>ima</a:t>
-            </a:r>
-            <a:r>
-              <a:rPr lang="en-US" dirty="0"/>
-              <a:t> </a:t>
-            </a:r>
-            <a:r>
-              <a:rPr lang="en-US" dirty="0" err="1"/>
-              <a:t>vse</a:t>
-            </a:r>
-            <a:r>
-              <a:rPr lang="en-US" dirty="0"/>
-              <a:t> </a:t>
-            </a:r>
-            <a:r>
-              <a:rPr lang="en-US" dirty="0" err="1"/>
-              <a:t>aplikacije</a:t>
-            </a:r>
-            <a:r>
-              <a:rPr lang="en-US" dirty="0"/>
-              <a:t> </a:t>
-            </a:r>
-            <a:r>
-              <a:rPr lang="en-US" dirty="0" err="1"/>
-              <a:t>za</a:t>
-            </a:r>
-            <a:r>
-              <a:rPr lang="en-US" dirty="0"/>
-              <a:t> </a:t>
-            </a:r>
-            <a:r>
-              <a:rPr lang="en-US" dirty="0" err="1"/>
-              <a:t>produktivnost</a:t>
-            </a:r>
-            <a:r>
-              <a:rPr lang="en-US" dirty="0"/>
-              <a:t>,</a:t>
-            </a:r>
-            <a:r>
-              <a:rPr lang="en-US" dirty="0">
+              <a:t> Novak</a:t>
+            </a:r>
+            <a:r>
+              <a:rPr lang="sl-SI" dirty="0"/>
+              <a:t> (31 let star, poročen)</a:t>
+            </a:r>
+          </a:p>
+          <a:p>
+            <a:r>
+              <a:rPr lang="sl-SI" dirty="0">
                 <a:solidFill>
-                  <a:srgbClr val="404040"/>
+                  <a:schemeClr val="tx1"/>
                 </a:solidFill>
               </a:rPr>
-              <a:t> </a:t>
-            </a:r>
-            <a:r>
-              <a:rPr lang="en-US" dirty="0"/>
-              <a:t>in </a:t>
-            </a:r>
-            <a:r>
-              <a:rPr lang="en-US" dirty="0" err="1"/>
-              <a:t>si</a:t>
-            </a:r>
-            <a:r>
-              <a:rPr lang="en-US" dirty="0"/>
-              <a:t> </a:t>
-            </a:r>
-            <a:r>
-              <a:rPr lang="en-US" dirty="0" err="1"/>
-              <a:t>organizira</a:t>
-            </a:r>
-            <a:r>
-              <a:rPr lang="en-US" dirty="0"/>
-              <a:t> </a:t>
-            </a:r>
-            <a:r>
-              <a:rPr lang="en-US" dirty="0" err="1"/>
-              <a:t>vsak</a:t>
-            </a:r>
-            <a:r>
-              <a:rPr lang="en-US" dirty="0"/>
-              <a:t> </a:t>
-            </a:r>
-            <a:r>
-              <a:rPr lang="en-US" dirty="0" err="1"/>
-              <a:t>pomembnejši</a:t>
-            </a:r>
-            <a:r>
-              <a:rPr lang="en-US" dirty="0"/>
-              <a:t> </a:t>
-            </a:r>
-            <a:r>
-              <a:rPr lang="en-US" dirty="0" err="1"/>
-              <a:t>dogodek</a:t>
-            </a:r>
-            <a:r>
-              <a:rPr lang="en-US" dirty="0"/>
-              <a:t> v google </a:t>
-            </a:r>
-            <a:r>
-              <a:rPr lang="en-US" dirty="0" err="1"/>
-              <a:t>calender</a:t>
-            </a:r>
-            <a:r>
-              <a:rPr lang="en-US" dirty="0"/>
-              <a:t>, in v </a:t>
-            </a:r>
-            <a:r>
-              <a:rPr lang="en-US" dirty="0" err="1"/>
-              <a:t>todo</a:t>
-            </a:r>
-            <a:r>
-              <a:rPr lang="en-US" dirty="0"/>
-              <a:t> </a:t>
-            </a:r>
-            <a:r>
-              <a:rPr lang="en-US" dirty="0" err="1"/>
-              <a:t>liste</a:t>
-            </a:r>
-            <a:r>
-              <a:rPr lang="en-US" dirty="0"/>
-              <a:t>.</a:t>
-            </a:r>
-            <a:endParaRPr lang="en-US" dirty="0">
-              <a:solidFill>
-                <a:schemeClr val="tx1"/>
-              </a:solidFill>
-            </a:endParaRPr>
-          </a:p>
-          <a:p>
-            <a:r>
-              <a:rPr lang="en-US" dirty="0"/>
-              <a:t>Samo </a:t>
-            </a:r>
-            <a:r>
-              <a:rPr lang="en-US" dirty="0" err="1"/>
-              <a:t>Hočevar</a:t>
-            </a:r>
-            <a:r>
-              <a:rPr lang="en-US" dirty="0"/>
-              <a:t>, </a:t>
-            </a:r>
-            <a:r>
-              <a:rPr lang="en-US" dirty="0" err="1"/>
-              <a:t>je</a:t>
-            </a:r>
-            <a:r>
-              <a:rPr lang="en-US" dirty="0"/>
-              <a:t> 31 let star </a:t>
-            </a:r>
-            <a:r>
-              <a:rPr lang="en-US" dirty="0" err="1"/>
-              <a:t>oče</a:t>
-            </a:r>
-            <a:r>
-              <a:rPr lang="en-US" dirty="0"/>
-              <a:t>, </a:t>
-            </a:r>
-            <a:r>
-              <a:rPr lang="en-US" dirty="0" err="1"/>
-              <a:t>ki</a:t>
-            </a:r>
-            <a:r>
-              <a:rPr lang="en-US" dirty="0"/>
-              <a:t> </a:t>
-            </a:r>
-            <a:r>
-              <a:rPr lang="en-US" dirty="0" err="1"/>
-              <a:t>je</a:t>
-            </a:r>
-            <a:r>
-              <a:rPr lang="en-US" dirty="0"/>
-              <a:t> </a:t>
-            </a:r>
-            <a:r>
-              <a:rPr lang="en-US" dirty="0" err="1"/>
-              <a:t>zaposlen</a:t>
-            </a:r>
-            <a:r>
-              <a:rPr lang="en-US" dirty="0"/>
-              <a:t> v </a:t>
-            </a:r>
-            <a:r>
-              <a:rPr lang="en-US" dirty="0" err="1"/>
-              <a:t>področju</a:t>
-            </a:r>
-            <a:r>
-              <a:rPr lang="en-US" dirty="0"/>
-              <a:t> </a:t>
-            </a:r>
-            <a:r>
-              <a:rPr lang="en-US" dirty="0" err="1"/>
-              <a:t>informatike</a:t>
-            </a:r>
-            <a:r>
-              <a:rPr lang="en-US" dirty="0"/>
-              <a:t>.  </a:t>
-            </a:r>
-            <a:r>
-              <a:rPr lang="en-US" dirty="0" err="1"/>
-              <a:t>Živi</a:t>
-            </a:r>
-            <a:r>
-              <a:rPr lang="en-US" dirty="0"/>
-              <a:t> v </a:t>
-            </a:r>
-            <a:r>
-              <a:rPr lang="en-US" dirty="0" err="1"/>
-              <a:t>hiši</a:t>
-            </a:r>
-            <a:r>
-              <a:rPr lang="en-US" dirty="0"/>
-              <a:t> v </a:t>
-            </a:r>
-            <a:r>
-              <a:rPr lang="en-US" dirty="0" err="1"/>
-              <a:t>kraju</a:t>
-            </a:r>
-            <a:r>
-              <a:rPr lang="en-US" dirty="0"/>
-              <a:t> </a:t>
-            </a:r>
-            <a:r>
-              <a:rPr lang="en-US" dirty="0" err="1"/>
-              <a:t>izven</a:t>
-            </a:r>
-            <a:r>
-              <a:rPr lang="en-US" dirty="0"/>
-              <a:t> </a:t>
-            </a:r>
-            <a:r>
-              <a:rPr lang="en-US" dirty="0" err="1"/>
-              <a:t>Ljubljane</a:t>
-            </a:r>
-            <a:r>
-              <a:rPr lang="en-US" dirty="0"/>
-              <a:t>. </a:t>
-            </a:r>
-            <a:r>
-              <a:rPr lang="en-US" dirty="0" err="1"/>
-              <a:t>Zanima</a:t>
-            </a:r>
-            <a:r>
-              <a:rPr lang="en-US" dirty="0"/>
-              <a:t> </a:t>
-            </a:r>
-            <a:r>
-              <a:rPr lang="en-US" dirty="0" err="1"/>
-              <a:t>ga</a:t>
-            </a:r>
-            <a:r>
-              <a:rPr lang="en-US" dirty="0"/>
-              <a:t> </a:t>
-            </a:r>
-            <a:r>
-              <a:rPr lang="en-US" dirty="0" err="1"/>
-              <a:t>podrobno</a:t>
-            </a:r>
-            <a:r>
-              <a:rPr lang="en-US" dirty="0"/>
-              <a:t> </a:t>
-            </a:r>
-            <a:r>
-              <a:rPr lang="en-US" dirty="0" err="1"/>
-              <a:t>kako</a:t>
-            </a:r>
-            <a:r>
-              <a:rPr lang="en-US" dirty="0"/>
-              <a:t> </a:t>
-            </a:r>
-            <a:r>
-              <a:rPr lang="en-US" dirty="0" err="1"/>
-              <a:t>funkcionira</a:t>
-            </a:r>
-            <a:r>
-              <a:rPr lang="en-US" dirty="0"/>
-              <a:t> </a:t>
-            </a:r>
-            <a:r>
-              <a:rPr lang="en-US" dirty="0" err="1"/>
-              <a:t>vsaka</a:t>
-            </a:r>
-            <a:r>
-              <a:rPr lang="en-US" dirty="0"/>
-              <a:t> </a:t>
-            </a:r>
-            <a:r>
-              <a:rPr lang="en-US" dirty="0" err="1"/>
-              <a:t>tehnološka</a:t>
-            </a:r>
-            <a:r>
-              <a:rPr lang="en-US" dirty="0"/>
-              <a:t> </a:t>
-            </a:r>
-            <a:r>
-              <a:rPr lang="en-US" dirty="0" err="1"/>
-              <a:t>stvar</a:t>
-            </a:r>
-            <a:r>
-              <a:rPr lang="en-US" dirty="0"/>
-              <a:t> in </a:t>
-            </a:r>
-            <a:r>
-              <a:rPr lang="en-US" dirty="0" err="1"/>
-              <a:t>aplikacija</a:t>
-            </a:r>
-            <a:r>
-              <a:rPr lang="en-US" dirty="0"/>
-              <a:t>, in </a:t>
-            </a:r>
-            <a:r>
-              <a:rPr lang="en-US" dirty="0" err="1"/>
-              <a:t>je</a:t>
-            </a:r>
-            <a:r>
-              <a:rPr lang="en-US" dirty="0"/>
-              <a:t> </a:t>
-            </a:r>
-            <a:r>
-              <a:rPr lang="en-US" dirty="0" err="1"/>
-              <a:t>zelo</a:t>
-            </a:r>
-            <a:r>
-              <a:rPr lang="en-US" dirty="0"/>
-              <a:t> </a:t>
-            </a:r>
-            <a:r>
-              <a:rPr lang="en-US" dirty="0" err="1"/>
-              <a:t>navdušen</a:t>
-            </a:r>
-            <a:r>
-              <a:rPr lang="en-US" dirty="0"/>
-              <a:t> </a:t>
-            </a:r>
-            <a:r>
-              <a:rPr lang="en-US" dirty="0" err="1"/>
-              <a:t>nad</a:t>
-            </a:r>
-            <a:r>
-              <a:rPr lang="en-US" dirty="0"/>
-              <a:t> open source </a:t>
-            </a:r>
-            <a:r>
-              <a:rPr lang="en-US" dirty="0" err="1"/>
-              <a:t>rešitvami</a:t>
-            </a:r>
-            <a:r>
-              <a:rPr lang="en-US" dirty="0"/>
-              <a:t> in </a:t>
-            </a:r>
-            <a:r>
-              <a:rPr lang="en-US" dirty="0" err="1"/>
-              <a:t>programiranju</a:t>
-            </a:r>
-            <a:r>
-              <a:rPr lang="en-US" dirty="0"/>
-              <a:t>. </a:t>
-            </a:r>
-            <a:r>
-              <a:rPr lang="en-US" dirty="0" err="1"/>
-              <a:t>Za</a:t>
-            </a:r>
-            <a:r>
-              <a:rPr lang="en-US" dirty="0"/>
-              <a:t> </a:t>
-            </a:r>
-            <a:r>
-              <a:rPr lang="en-US" dirty="0" err="1"/>
-              <a:t>sina</a:t>
-            </a:r>
-            <a:r>
-              <a:rPr lang="en-US" dirty="0"/>
-              <a:t> </a:t>
-            </a:r>
-            <a:r>
-              <a:rPr lang="en-US" dirty="0" err="1"/>
-              <a:t>je</a:t>
-            </a:r>
-            <a:r>
-              <a:rPr lang="en-US" dirty="0"/>
-              <a:t> </a:t>
-            </a:r>
-            <a:r>
-              <a:rPr lang="en-US" dirty="0" err="1"/>
-              <a:t>prejšni</a:t>
-            </a:r>
-            <a:r>
-              <a:rPr lang="en-US" dirty="0"/>
-              <a:t> </a:t>
-            </a:r>
-            <a:r>
-              <a:rPr lang="en-US" dirty="0" err="1"/>
-              <a:t>božič</a:t>
-            </a:r>
-            <a:r>
-              <a:rPr lang="en-US" dirty="0"/>
-              <a:t> </a:t>
-            </a:r>
-            <a:r>
-              <a:rPr lang="en-US" dirty="0" err="1"/>
-              <a:t>kupil</a:t>
-            </a:r>
-            <a:r>
-              <a:rPr lang="en-US" dirty="0"/>
-              <a:t> iPad, </a:t>
-            </a:r>
-            <a:r>
-              <a:rPr lang="en-US" dirty="0" err="1"/>
-              <a:t>delno</a:t>
-            </a:r>
-            <a:r>
-              <a:rPr lang="en-US" dirty="0"/>
-              <a:t> pa </a:t>
-            </a:r>
-            <a:r>
-              <a:rPr lang="en-US" dirty="0" err="1"/>
-              <a:t>tudi</a:t>
-            </a:r>
-            <a:r>
-              <a:rPr lang="en-US" dirty="0"/>
-              <a:t> </a:t>
-            </a:r>
-            <a:r>
-              <a:rPr lang="en-US" dirty="0" err="1"/>
-              <a:t>za</a:t>
-            </a:r>
-            <a:r>
-              <a:rPr lang="en-US" dirty="0"/>
-              <a:t> </a:t>
-            </a:r>
-            <a:r>
-              <a:rPr lang="en-US" dirty="0" err="1"/>
-              <a:t>sebe</a:t>
-            </a:r>
-            <a:r>
-              <a:rPr lang="en-US" dirty="0"/>
-              <a:t> </a:t>
-            </a:r>
-            <a:r>
-              <a:rPr lang="en-US" dirty="0" err="1"/>
-              <a:t>ker</a:t>
-            </a:r>
-            <a:r>
-              <a:rPr lang="en-US" dirty="0"/>
-              <a:t> </a:t>
-            </a:r>
-            <a:r>
-              <a:rPr lang="en-US" dirty="0" err="1"/>
-              <a:t>je</a:t>
-            </a:r>
-            <a:r>
-              <a:rPr lang="en-US" dirty="0"/>
-              <a:t> to </a:t>
-            </a:r>
-            <a:r>
-              <a:rPr lang="en-US" dirty="0" err="1"/>
-              <a:t>bila</a:t>
-            </a:r>
-            <a:r>
-              <a:rPr lang="en-US" dirty="0"/>
-              <a:t> </a:t>
-            </a:r>
-            <a:r>
-              <a:rPr lang="en-US" dirty="0" err="1"/>
-              <a:t>zanj</a:t>
-            </a:r>
-            <a:r>
-              <a:rPr lang="en-US" dirty="0"/>
-              <a:t> </a:t>
-            </a:r>
-            <a:r>
-              <a:rPr lang="en-US" dirty="0" err="1"/>
-              <a:t>prva</a:t>
-            </a:r>
-            <a:r>
-              <a:rPr lang="en-US" dirty="0"/>
-              <a:t> </a:t>
-            </a:r>
-            <a:r>
-              <a:rPr lang="en-US" dirty="0" err="1"/>
-              <a:t>tablica</a:t>
-            </a:r>
-            <a:r>
-              <a:rPr lang="en-US" dirty="0"/>
-              <a:t>.</a:t>
-            </a:r>
-          </a:p>
-          <a:p>
-            <a:r>
-              <a:rPr lang="en-US" dirty="0">
-                <a:solidFill>
-                  <a:srgbClr val="404040"/>
-                </a:solidFill>
-              </a:rPr>
-              <a:t>Aleks </a:t>
-            </a:r>
-            <a:r>
-              <a:rPr lang="en-US" dirty="0" err="1">
-                <a:solidFill>
-                  <a:srgbClr val="404040"/>
-                </a:solidFill>
-              </a:rPr>
-              <a:t>Kovač</a:t>
-            </a:r>
-            <a:r>
-              <a:rPr lang="en-US" dirty="0">
-                <a:solidFill>
-                  <a:srgbClr val="404040"/>
-                </a:solidFill>
-              </a:rPr>
-              <a:t>, </a:t>
-            </a:r>
-            <a:r>
-              <a:rPr lang="en-US" dirty="0" err="1">
-                <a:solidFill>
-                  <a:srgbClr val="404040"/>
-                </a:solidFill>
-              </a:rPr>
-              <a:t>je</a:t>
-            </a:r>
-            <a:r>
-              <a:rPr lang="en-US" dirty="0">
-                <a:solidFill>
-                  <a:srgbClr val="404040"/>
-                </a:solidFill>
-              </a:rPr>
-              <a:t> 26 let star </a:t>
-            </a:r>
-            <a:r>
-              <a:rPr lang="en-US" dirty="0" err="1">
-                <a:solidFill>
-                  <a:srgbClr val="404040"/>
-                </a:solidFill>
-              </a:rPr>
-              <a:t>ustanovitelj</a:t>
-            </a:r>
-            <a:r>
-              <a:rPr lang="en-US" dirty="0">
-                <a:solidFill>
-                  <a:srgbClr val="404040"/>
-                </a:solidFill>
-              </a:rPr>
-              <a:t> </a:t>
-            </a:r>
-            <a:r>
-              <a:rPr lang="en-US" dirty="0" err="1">
-                <a:solidFill>
-                  <a:srgbClr val="404040"/>
-                </a:solidFill>
-              </a:rPr>
-              <a:t>startupa</a:t>
-            </a:r>
-            <a:r>
-              <a:rPr lang="en-US" dirty="0">
-                <a:solidFill>
-                  <a:srgbClr val="404040"/>
-                </a:solidFill>
-              </a:rPr>
-              <a:t>, </a:t>
-            </a:r>
-            <a:r>
-              <a:rPr lang="en-US" dirty="0" err="1">
-                <a:solidFill>
-                  <a:srgbClr val="404040"/>
-                </a:solidFill>
-              </a:rPr>
-              <a:t>pri</a:t>
-            </a:r>
-            <a:r>
-              <a:rPr lang="en-US" dirty="0">
-                <a:solidFill>
-                  <a:srgbClr val="404040"/>
-                </a:solidFill>
-              </a:rPr>
-              <a:t> 19 mu </a:t>
-            </a:r>
-            <a:r>
-              <a:rPr lang="en-US" dirty="0" err="1">
-                <a:solidFill>
-                  <a:srgbClr val="404040"/>
-                </a:solidFill>
-              </a:rPr>
-              <a:t>je</a:t>
-            </a:r>
-            <a:r>
-              <a:rPr lang="en-US" dirty="0">
-                <a:solidFill>
-                  <a:srgbClr val="404040"/>
-                </a:solidFill>
-              </a:rPr>
-              <a:t> </a:t>
-            </a:r>
-            <a:r>
-              <a:rPr lang="en-US" dirty="0" err="1">
-                <a:solidFill>
-                  <a:srgbClr val="404040"/>
-                </a:solidFill>
-              </a:rPr>
-              <a:t>že</a:t>
-            </a:r>
-            <a:r>
-              <a:rPr lang="en-US" dirty="0">
-                <a:solidFill>
-                  <a:srgbClr val="404040"/>
-                </a:solidFill>
-              </a:rPr>
-              <a:t> </a:t>
-            </a:r>
-            <a:r>
-              <a:rPr lang="en-US" dirty="0" err="1">
-                <a:solidFill>
-                  <a:srgbClr val="404040"/>
-                </a:solidFill>
-              </a:rPr>
-              <a:t>uspelo</a:t>
-            </a:r>
-            <a:r>
-              <a:rPr lang="en-US" dirty="0">
-                <a:solidFill>
-                  <a:srgbClr val="404040"/>
-                </a:solidFill>
-              </a:rPr>
-              <a:t> </a:t>
-            </a:r>
-            <a:r>
-              <a:rPr lang="en-US" dirty="0" err="1">
-                <a:solidFill>
-                  <a:srgbClr val="404040"/>
-                </a:solidFill>
-              </a:rPr>
-              <a:t>sprogramirati</a:t>
-            </a:r>
-            <a:r>
-              <a:rPr lang="en-US" dirty="0">
-                <a:solidFill>
-                  <a:srgbClr val="404040"/>
-                </a:solidFill>
-              </a:rPr>
-              <a:t> </a:t>
-            </a:r>
-            <a:r>
-              <a:rPr lang="en-US" dirty="0" err="1">
-                <a:solidFill>
-                  <a:srgbClr val="404040"/>
-                </a:solidFill>
-              </a:rPr>
-              <a:t>prvo</a:t>
-            </a:r>
-            <a:r>
-              <a:rPr lang="en-US" dirty="0">
-                <a:solidFill>
-                  <a:srgbClr val="404040"/>
-                </a:solidFill>
-              </a:rPr>
-              <a:t> </a:t>
-            </a:r>
-            <a:r>
-              <a:rPr lang="en-US" dirty="0" err="1">
-                <a:solidFill>
-                  <a:srgbClr val="404040"/>
-                </a:solidFill>
-              </a:rPr>
-              <a:t>igro</a:t>
-            </a:r>
-            <a:r>
-              <a:rPr lang="en-US" dirty="0">
-                <a:solidFill>
-                  <a:srgbClr val="404040"/>
-                </a:solidFill>
-              </a:rPr>
-              <a:t>, </a:t>
-            </a:r>
-            <a:r>
-              <a:rPr lang="en-US" dirty="0" err="1">
-                <a:solidFill>
-                  <a:srgbClr val="404040"/>
-                </a:solidFill>
-              </a:rPr>
-              <a:t>za</a:t>
-            </a:r>
-            <a:r>
-              <a:rPr lang="en-US" dirty="0">
-                <a:solidFill>
-                  <a:srgbClr val="404040"/>
-                </a:solidFill>
-              </a:rPr>
-              <a:t> google play store in app store, </a:t>
-            </a:r>
-            <a:r>
-              <a:rPr lang="en-US" dirty="0" err="1">
-                <a:solidFill>
-                  <a:srgbClr val="404040"/>
-                </a:solidFill>
-              </a:rPr>
-              <a:t>pri</a:t>
-            </a:r>
-            <a:r>
-              <a:rPr lang="en-US" dirty="0">
-                <a:solidFill>
-                  <a:srgbClr val="404040"/>
-                </a:solidFill>
-              </a:rPr>
-              <a:t> 23 pa </a:t>
-            </a:r>
-            <a:r>
-              <a:rPr lang="en-US" dirty="0" err="1">
-                <a:solidFill>
-                  <a:srgbClr val="404040"/>
-                </a:solidFill>
-              </a:rPr>
-              <a:t>je</a:t>
-            </a:r>
-            <a:r>
-              <a:rPr lang="en-US" dirty="0">
-                <a:solidFill>
-                  <a:srgbClr val="404040"/>
-                </a:solidFill>
-              </a:rPr>
-              <a:t> s </a:t>
-            </a:r>
-            <a:r>
-              <a:rPr lang="en-US" dirty="0" err="1">
-                <a:solidFill>
-                  <a:srgbClr val="404040"/>
-                </a:solidFill>
-              </a:rPr>
-              <a:t>prijatelji</a:t>
-            </a:r>
-            <a:r>
-              <a:rPr lang="en-US" dirty="0">
-                <a:solidFill>
-                  <a:srgbClr val="404040"/>
-                </a:solidFill>
-              </a:rPr>
-              <a:t> </a:t>
-            </a:r>
-            <a:r>
-              <a:rPr lang="en-US" dirty="0" err="1">
-                <a:solidFill>
-                  <a:srgbClr val="404040"/>
-                </a:solidFill>
-              </a:rPr>
-              <a:t>naredil</a:t>
-            </a:r>
-            <a:r>
-              <a:rPr lang="en-US" dirty="0">
-                <a:solidFill>
-                  <a:srgbClr val="404040"/>
-                </a:solidFill>
-              </a:rPr>
-              <a:t> </a:t>
-            </a:r>
-            <a:r>
-              <a:rPr lang="en-US" dirty="0" err="1">
-                <a:solidFill>
-                  <a:srgbClr val="404040"/>
-                </a:solidFill>
-              </a:rPr>
-              <a:t>aplikacijo</a:t>
-            </a:r>
-            <a:r>
-              <a:rPr lang="en-US" dirty="0">
-                <a:solidFill>
-                  <a:srgbClr val="404040"/>
-                </a:solidFill>
-              </a:rPr>
-              <a:t>, </a:t>
-            </a:r>
-            <a:r>
-              <a:rPr lang="en-US" dirty="0" err="1">
-                <a:solidFill>
-                  <a:srgbClr val="404040"/>
-                </a:solidFill>
-              </a:rPr>
-              <a:t>ki</a:t>
-            </a:r>
-            <a:r>
-              <a:rPr lang="en-US" dirty="0">
-                <a:solidFill>
-                  <a:srgbClr val="404040"/>
-                </a:solidFill>
-              </a:rPr>
-              <a:t> </a:t>
-            </a:r>
-            <a:r>
-              <a:rPr lang="en-US" dirty="0" err="1">
-                <a:solidFill>
-                  <a:srgbClr val="404040"/>
-                </a:solidFill>
-              </a:rPr>
-              <a:t>je</a:t>
-            </a:r>
-            <a:r>
-              <a:rPr lang="en-US" dirty="0">
-                <a:solidFill>
-                  <a:srgbClr val="404040"/>
-                </a:solidFill>
-              </a:rPr>
-              <a:t> </a:t>
-            </a:r>
-            <a:r>
-              <a:rPr lang="en-US" dirty="0" err="1">
-                <a:solidFill>
-                  <a:srgbClr val="404040"/>
-                </a:solidFill>
-              </a:rPr>
-              <a:t>čez</a:t>
-            </a:r>
-            <a:r>
-              <a:rPr lang="en-US" dirty="0">
-                <a:solidFill>
-                  <a:srgbClr val="404040"/>
-                </a:solidFill>
-              </a:rPr>
-              <a:t> </a:t>
-            </a:r>
-            <a:r>
-              <a:rPr lang="en-US" dirty="0" err="1">
-                <a:solidFill>
-                  <a:srgbClr val="404040"/>
-                </a:solidFill>
-              </a:rPr>
-              <a:t>noč</a:t>
-            </a:r>
-            <a:r>
-              <a:rPr lang="en-US" dirty="0">
-                <a:solidFill>
-                  <a:srgbClr val="404040"/>
-                </a:solidFill>
-              </a:rPr>
-              <a:t> </a:t>
-            </a:r>
-            <a:r>
-              <a:rPr lang="en-US" dirty="0" err="1">
-                <a:solidFill>
-                  <a:srgbClr val="404040"/>
-                </a:solidFill>
-              </a:rPr>
-              <a:t>postala</a:t>
-            </a:r>
-            <a:r>
-              <a:rPr lang="en-US" dirty="0">
-                <a:solidFill>
-                  <a:srgbClr val="404040"/>
-                </a:solidFill>
-              </a:rPr>
-              <a:t> </a:t>
-            </a:r>
-            <a:r>
-              <a:rPr lang="en-US" dirty="0" err="1">
-                <a:solidFill>
-                  <a:srgbClr val="404040"/>
-                </a:solidFill>
-              </a:rPr>
-              <a:t>uspeh</a:t>
-            </a:r>
-            <a:r>
-              <a:rPr lang="en-US" dirty="0">
-                <a:solidFill>
-                  <a:srgbClr val="404040"/>
-                </a:solidFill>
-              </a:rPr>
-              <a:t> </a:t>
-            </a:r>
-            <a:r>
-              <a:rPr lang="en-US" dirty="0" err="1">
-                <a:solidFill>
-                  <a:srgbClr val="404040"/>
-                </a:solidFill>
-              </a:rPr>
-              <a:t>na</a:t>
-            </a:r>
-            <a:r>
-              <a:rPr lang="en-US" dirty="0">
-                <a:solidFill>
-                  <a:srgbClr val="404040"/>
-                </a:solidFill>
-              </a:rPr>
-              <a:t> google play </a:t>
-            </a:r>
-            <a:r>
-              <a:rPr lang="en-US" dirty="0" err="1">
-                <a:solidFill>
-                  <a:srgbClr val="404040"/>
-                </a:solidFill>
-              </a:rPr>
-              <a:t>storu</a:t>
-            </a:r>
-            <a:r>
-              <a:rPr lang="en-US" dirty="0">
-                <a:solidFill>
-                  <a:srgbClr val="404040"/>
-                </a:solidFill>
-              </a:rPr>
-              <a:t> in app </a:t>
-            </a:r>
-            <a:r>
-              <a:rPr lang="en-US" dirty="0" err="1">
-                <a:solidFill>
-                  <a:srgbClr val="404040"/>
-                </a:solidFill>
-              </a:rPr>
-              <a:t>storu</a:t>
-            </a:r>
-            <a:r>
-              <a:rPr lang="en-US" dirty="0">
-                <a:solidFill>
-                  <a:srgbClr val="404040"/>
-                </a:solidFill>
-              </a:rPr>
-              <a:t>. Ima </a:t>
-            </a:r>
-            <a:r>
-              <a:rPr lang="en-US" dirty="0" err="1">
-                <a:solidFill>
-                  <a:srgbClr val="404040"/>
-                </a:solidFill>
-              </a:rPr>
-              <a:t>veliko</a:t>
-            </a:r>
-            <a:r>
-              <a:rPr lang="en-US" dirty="0">
-                <a:solidFill>
-                  <a:srgbClr val="404040"/>
-                </a:solidFill>
-              </a:rPr>
-              <a:t> </a:t>
-            </a:r>
-            <a:r>
-              <a:rPr lang="en-US" dirty="0" err="1">
-                <a:solidFill>
-                  <a:srgbClr val="404040"/>
-                </a:solidFill>
-              </a:rPr>
-              <a:t>denarja</a:t>
-            </a:r>
-            <a:r>
-              <a:rPr lang="en-US" dirty="0">
-                <a:solidFill>
-                  <a:srgbClr val="404040"/>
-                </a:solidFill>
-              </a:rPr>
-              <a:t> in </a:t>
-            </a:r>
-            <a:r>
-              <a:rPr lang="en-US" dirty="0" err="1">
-                <a:solidFill>
-                  <a:srgbClr val="404040"/>
-                </a:solidFill>
-              </a:rPr>
-              <a:t>živi</a:t>
-            </a:r>
-            <a:r>
-              <a:rPr lang="en-US" dirty="0">
-                <a:solidFill>
-                  <a:srgbClr val="404040"/>
-                </a:solidFill>
-              </a:rPr>
-              <a:t> v </a:t>
-            </a:r>
-            <a:r>
-              <a:rPr lang="en-US" dirty="0" err="1">
-                <a:solidFill>
-                  <a:srgbClr val="404040"/>
-                </a:solidFill>
-              </a:rPr>
-              <a:t>veliki</a:t>
-            </a:r>
-            <a:r>
-              <a:rPr lang="en-US" dirty="0">
-                <a:solidFill>
-                  <a:srgbClr val="404040"/>
-                </a:solidFill>
-              </a:rPr>
-              <a:t> </a:t>
-            </a:r>
-            <a:r>
-              <a:rPr lang="en-US" dirty="0" err="1">
-                <a:solidFill>
-                  <a:srgbClr val="404040"/>
-                </a:solidFill>
-              </a:rPr>
-              <a:t>razkošni</a:t>
-            </a:r>
-            <a:r>
-              <a:rPr lang="en-US" dirty="0">
-                <a:solidFill>
-                  <a:srgbClr val="404040"/>
-                </a:solidFill>
-              </a:rPr>
-              <a:t> </a:t>
-            </a:r>
-            <a:r>
-              <a:rPr lang="en-US" dirty="0" err="1">
-                <a:solidFill>
-                  <a:srgbClr val="404040"/>
-                </a:solidFill>
-              </a:rPr>
-              <a:t>hiši</a:t>
-            </a:r>
-            <a:r>
-              <a:rPr lang="en-US" dirty="0">
-                <a:solidFill>
-                  <a:srgbClr val="404040"/>
-                </a:solidFill>
-              </a:rPr>
-              <a:t>.</a:t>
+              <a:t>Metka Kranjc (29 let, ločena)</a:t>
             </a:r>
             <a:endParaRPr lang="en-US" dirty="0">
               <a:solidFill>

--- a/MAGIC-MIRROR_v4.pptx
+++ b/MAGIC-MIRROR_v4.pptx
@@ -7746,28 +7746,32 @@
           <a:lstStyle/>
           <a:p>
             <a:r>
-              <a:rPr lang="en-US" dirty="0" err="1"/>
-              <a:t>Janez</a:t>
-            </a:r>
-            <a:r>
-              <a:rPr lang="en-US" dirty="0"/>
-              <a:t> Novak</a:t>
-            </a:r>
-            <a:r>
-              <a:rPr lang="sl-SI" dirty="0"/>
-              <a:t> (31 let star, poročen)</a:t>
-            </a:r>
-          </a:p>
-          <a:p>
-            <a:r>
               <a:rPr lang="sl-SI" dirty="0">
                 <a:solidFill>
                   <a:schemeClr val="tx1"/>
                 </a:solidFill>
               </a:rPr>
-              <a:t>Metka Kranjc (29 let, ločena)</a:t>
-            </a:r>
-            <a:endParaRPr lang="en-US" dirty="0">
+              <a:t>Janez Novak (31 let , poročen)</a:t>
+            </a:r>
+          </a:p>
+          <a:p>
+            <a:r>
+              <a:rPr lang="sl-SI" dirty="0">
+                <a:solidFill>
+                  <a:schemeClr val="tx1"/>
+                </a:solidFill>
+              </a:rPr>
+              <a:t>Metka Kranjc (29 let</a:t>
+            </a:r>
+            <a:r>
+              <a:rPr lang="sl-SI">
+                <a:solidFill>
+                  <a:schemeClr val="tx1"/>
+                </a:solidFill>
+              </a:rPr>
+              <a:t>, ločena)</a:t>
+            </a:r>
+            <a:endParaRPr lang="sl-SI" dirty="0">
               <a:solidFill>
                 <a:schemeClr val="tx1"/>
               </a:solidFill>

--- a/MAGIC-MIRROR_v4.pptx
+++ b/MAGIC-MIRROR_v4.pptx
@@ -7853,7 +7853,7 @@
             <p:ph idx="1"/>
             <p:extLst>
               <p:ext uri="{D42A27DB-BD31-4B8C-83A1-F6EECF244321}">
-                <p14:modId xmlns:p14="http://schemas.microsoft.com/office/powerpoint/2010/main" val="2121587676"/>
+                <p14:modId xmlns:p14="http://schemas.microsoft.com/office/powerpoint/2010/main" val="964236428"/>
               </p:ext>
             </p:extLst>
           </p:nvPr>
@@ -7939,7 +7939,7 @@
                     <a:p>
                       <a:r>
                         <a:rPr lang="sl-SI" dirty="0"/>
-                        <a:t>Širša javnost</a:t>
+                        <a:t>Razvijalci</a:t>
                       </a:r>
                     </a:p>
                   </a:txBody>
